--- a/_book/plot/unnamed-chunk-98-1.pptx
+++ b/_book/plot/unnamed-chunk-98-1.pptx
@@ -3192,8 +3192,8 @@
           </p:nvSpPr>
           <p:spPr>
             <a:xfrm>
-              <a:off x="2023549" y="1590617"/>
-              <a:ext cx="6913543" cy="4048310"/>
+              <a:off x="2217943" y="1809173"/>
+              <a:ext cx="2193323" cy="3464924"/>
             </a:xfrm>
             <a:prstGeom prst="rect">
               <a:avLst/>
@@ -3218,28 +3218,28 @@
           </p:nvSpPr>
           <p:spPr>
             <a:xfrm>
-              <a:off x="2594759" y="1590617"/>
-              <a:ext cx="0" cy="4048310"/>
+              <a:off x="2217943" y="4582482"/>
+              <a:ext cx="2193323" cy="0"/>
             </a:xfrm>
             <a:custGeom>
               <a:avLst/>
               <a:pathLst>
-                <a:path w="0" h="4048310">
+                <a:path w="2193323" h="0">
                   <a:moveTo>
-                    <a:pt x="0" y="4048310"/>
+                    <a:pt x="0" y="0"/>
                   </a:moveTo>
                   <a:lnTo>
-                    <a:pt x="0" y="0"/>
-                  </a:lnTo>
-                  <a:lnTo>
-                    <a:pt x="0" y="0"/>
+                    <a:pt x="2193323" y="0"/>
+                  </a:lnTo>
+                  <a:lnTo>
+                    <a:pt x="2193323" y="0"/>
                   </a:lnTo>
                 </a:path>
               </a:pathLst>
             </a:custGeom>
-            <a:ln w="3387" cap="flat">
+            <a:ln w="6775" cap="flat">
               <a:solidFill>
-                <a:srgbClr val="DEDEDE">
+                <a:srgbClr val="EBEBEB">
                   <a:alpha val="100000"/>
                 </a:srgbClr>
               </a:solidFill>
@@ -3261,28 +3261,28 @@
           </p:nvSpPr>
           <p:spPr>
             <a:xfrm>
-              <a:off x="3737180" y="1590617"/>
-              <a:ext cx="0" cy="4048310"/>
+              <a:off x="2217943" y="3514244"/>
+              <a:ext cx="2193323" cy="0"/>
             </a:xfrm>
             <a:custGeom>
               <a:avLst/>
               <a:pathLst>
-                <a:path w="0" h="4048310">
+                <a:path w="2193323" h="0">
                   <a:moveTo>
-                    <a:pt x="0" y="4048310"/>
+                    <a:pt x="0" y="0"/>
                   </a:moveTo>
                   <a:lnTo>
-                    <a:pt x="0" y="0"/>
-                  </a:lnTo>
-                  <a:lnTo>
-                    <a:pt x="0" y="0"/>
+                    <a:pt x="2193323" y="0"/>
+                  </a:lnTo>
+                  <a:lnTo>
+                    <a:pt x="2193323" y="0"/>
                   </a:lnTo>
                 </a:path>
               </a:pathLst>
             </a:custGeom>
-            <a:ln w="3387" cap="flat">
+            <a:ln w="6775" cap="flat">
               <a:solidFill>
-                <a:srgbClr val="DEDEDE">
+                <a:srgbClr val="EBEBEB">
                   <a:alpha val="100000"/>
                 </a:srgbClr>
               </a:solidFill>
@@ -3304,28 +3304,28 @@
           </p:nvSpPr>
           <p:spPr>
             <a:xfrm>
-              <a:off x="4879601" y="1590617"/>
-              <a:ext cx="0" cy="4048310"/>
+              <a:off x="2217943" y="2446007"/>
+              <a:ext cx="2193323" cy="0"/>
             </a:xfrm>
             <a:custGeom>
               <a:avLst/>
               <a:pathLst>
-                <a:path w="0" h="4048310">
+                <a:path w="2193323" h="0">
                   <a:moveTo>
-                    <a:pt x="0" y="4048310"/>
+                    <a:pt x="0" y="0"/>
                   </a:moveTo>
                   <a:lnTo>
-                    <a:pt x="0" y="0"/>
-                  </a:lnTo>
-                  <a:lnTo>
-                    <a:pt x="0" y="0"/>
+                    <a:pt x="2193323" y="0"/>
+                  </a:lnTo>
+                  <a:lnTo>
+                    <a:pt x="2193323" y="0"/>
                   </a:lnTo>
                 </a:path>
               </a:pathLst>
             </a:custGeom>
-            <a:ln w="3387" cap="flat">
+            <a:ln w="6775" cap="flat">
               <a:solidFill>
-                <a:srgbClr val="DEDEDE">
+                <a:srgbClr val="EBEBEB">
                   <a:alpha val="100000"/>
                 </a:srgbClr>
               </a:solidFill>
@@ -3347,28 +3347,28 @@
           </p:nvSpPr>
           <p:spPr>
             <a:xfrm>
-              <a:off x="6022022" y="1590617"/>
-              <a:ext cx="0" cy="4048310"/>
+              <a:off x="2217943" y="5116600"/>
+              <a:ext cx="2193323" cy="0"/>
             </a:xfrm>
             <a:custGeom>
               <a:avLst/>
               <a:pathLst>
-                <a:path w="0" h="4048310">
+                <a:path w="2193323" h="0">
                   <a:moveTo>
-                    <a:pt x="0" y="4048310"/>
+                    <a:pt x="0" y="0"/>
                   </a:moveTo>
                   <a:lnTo>
-                    <a:pt x="0" y="0"/>
-                  </a:lnTo>
-                  <a:lnTo>
-                    <a:pt x="0" y="0"/>
+                    <a:pt x="2193323" y="0"/>
+                  </a:lnTo>
+                  <a:lnTo>
+                    <a:pt x="2193323" y="0"/>
                   </a:lnTo>
                 </a:path>
               </a:pathLst>
             </a:custGeom>
-            <a:ln w="3387" cap="flat">
+            <a:ln w="13550" cap="flat">
               <a:solidFill>
-                <a:srgbClr val="DEDEDE">
+                <a:srgbClr val="EBEBEB">
                   <a:alpha val="100000"/>
                 </a:srgbClr>
               </a:solidFill>
@@ -3390,28 +3390,28 @@
           </p:nvSpPr>
           <p:spPr>
             <a:xfrm>
-              <a:off x="7164443" y="1590617"/>
-              <a:ext cx="0" cy="4048310"/>
+              <a:off x="2217943" y="4048363"/>
+              <a:ext cx="2193323" cy="0"/>
             </a:xfrm>
             <a:custGeom>
               <a:avLst/>
               <a:pathLst>
-                <a:path w="0" h="4048310">
+                <a:path w="2193323" h="0">
                   <a:moveTo>
-                    <a:pt x="0" y="4048310"/>
+                    <a:pt x="0" y="0"/>
                   </a:moveTo>
                   <a:lnTo>
-                    <a:pt x="0" y="0"/>
-                  </a:lnTo>
-                  <a:lnTo>
-                    <a:pt x="0" y="0"/>
+                    <a:pt x="2193323" y="0"/>
+                  </a:lnTo>
+                  <a:lnTo>
+                    <a:pt x="2193323" y="0"/>
                   </a:lnTo>
                 </a:path>
               </a:pathLst>
             </a:custGeom>
-            <a:ln w="3387" cap="flat">
+            <a:ln w="13550" cap="flat">
               <a:solidFill>
-                <a:srgbClr val="DEDEDE">
+                <a:srgbClr val="EBEBEB">
                   <a:alpha val="100000"/>
                 </a:srgbClr>
               </a:solidFill>
@@ -3433,28 +3433,28 @@
           </p:nvSpPr>
           <p:spPr>
             <a:xfrm>
-              <a:off x="8306864" y="1590617"/>
-              <a:ext cx="0" cy="4048310"/>
+              <a:off x="2217943" y="2980125"/>
+              <a:ext cx="2193323" cy="0"/>
             </a:xfrm>
             <a:custGeom>
               <a:avLst/>
               <a:pathLst>
-                <a:path w="0" h="4048310">
+                <a:path w="2193323" h="0">
                   <a:moveTo>
-                    <a:pt x="0" y="4048310"/>
+                    <a:pt x="0" y="0"/>
                   </a:moveTo>
                   <a:lnTo>
-                    <a:pt x="0" y="0"/>
-                  </a:lnTo>
-                  <a:lnTo>
-                    <a:pt x="0" y="0"/>
+                    <a:pt x="2193323" y="0"/>
+                  </a:lnTo>
+                  <a:lnTo>
+                    <a:pt x="2193323" y="0"/>
                   </a:lnTo>
                 </a:path>
               </a:pathLst>
             </a:custGeom>
-            <a:ln w="3387" cap="flat">
+            <a:ln w="13550" cap="flat">
               <a:solidFill>
-                <a:srgbClr val="DEDEDE">
+                <a:srgbClr val="EBEBEB">
                   <a:alpha val="100000"/>
                 </a:srgbClr>
               </a:solidFill>
@@ -3476,28 +3476,28 @@
           </p:nvSpPr>
           <p:spPr>
             <a:xfrm>
-              <a:off x="2023549" y="5342710"/>
-              <a:ext cx="6913543" cy="0"/>
+              <a:off x="2217943" y="1911888"/>
+              <a:ext cx="2193323" cy="0"/>
             </a:xfrm>
             <a:custGeom>
               <a:avLst/>
               <a:pathLst>
-                <a:path w="6913543" h="0">
+                <a:path w="2193323" h="0">
                   <a:moveTo>
                     <a:pt x="0" y="0"/>
                   </a:moveTo>
                   <a:lnTo>
-                    <a:pt x="6913543" y="0"/>
-                  </a:lnTo>
-                  <a:lnTo>
-                    <a:pt x="6913543" y="0"/>
+                    <a:pt x="2193323" y="0"/>
+                  </a:lnTo>
+                  <a:lnTo>
+                    <a:pt x="2193323" y="0"/>
                   </a:lnTo>
                 </a:path>
               </a:pathLst>
             </a:custGeom>
-            <a:ln w="6775" cap="flat">
+            <a:ln w="13550" cap="flat">
               <a:solidFill>
-                <a:srgbClr val="DEDEDE">
+                <a:srgbClr val="EBEBEB">
                   <a:alpha val="100000"/>
                 </a:srgbClr>
               </a:solidFill>
@@ -3519,28 +3519,28 @@
           </p:nvSpPr>
           <p:spPr>
             <a:xfrm>
-              <a:off x="2023549" y="4849013"/>
-              <a:ext cx="6913543" cy="0"/>
+              <a:off x="2531275" y="1809173"/>
+              <a:ext cx="0" cy="3464924"/>
             </a:xfrm>
             <a:custGeom>
               <a:avLst/>
               <a:pathLst>
-                <a:path w="6913543" h="0">
+                <a:path w="0" h="3464924">
                   <a:moveTo>
+                    <a:pt x="0" y="3464924"/>
+                  </a:moveTo>
+                  <a:lnTo>
                     <a:pt x="0" y="0"/>
-                  </a:moveTo>
-                  <a:lnTo>
-                    <a:pt x="6913543" y="0"/>
-                  </a:lnTo>
-                  <a:lnTo>
-                    <a:pt x="6913543" y="0"/>
+                  </a:lnTo>
+                  <a:lnTo>
+                    <a:pt x="0" y="0"/>
                   </a:lnTo>
                 </a:path>
               </a:pathLst>
             </a:custGeom>
-            <a:ln w="6775" cap="flat">
+            <a:ln w="13550" cap="flat">
               <a:solidFill>
-                <a:srgbClr val="DEDEDE">
+                <a:srgbClr val="EBEBEB">
                   <a:alpha val="100000"/>
                 </a:srgbClr>
               </a:solidFill>
@@ -3562,28 +3562,28 @@
           </p:nvSpPr>
           <p:spPr>
             <a:xfrm>
-              <a:off x="2023549" y="4355317"/>
-              <a:ext cx="6913543" cy="0"/>
+              <a:off x="3053495" y="1809173"/>
+              <a:ext cx="0" cy="3464924"/>
             </a:xfrm>
             <a:custGeom>
               <a:avLst/>
               <a:pathLst>
-                <a:path w="6913543" h="0">
+                <a:path w="0" h="3464924">
                   <a:moveTo>
+                    <a:pt x="0" y="3464924"/>
+                  </a:moveTo>
+                  <a:lnTo>
                     <a:pt x="0" y="0"/>
-                  </a:moveTo>
-                  <a:lnTo>
-                    <a:pt x="6913543" y="0"/>
-                  </a:lnTo>
-                  <a:lnTo>
-                    <a:pt x="6913543" y="0"/>
+                  </a:lnTo>
+                  <a:lnTo>
+                    <a:pt x="0" y="0"/>
                   </a:lnTo>
                 </a:path>
               </a:pathLst>
             </a:custGeom>
-            <a:ln w="6775" cap="flat">
+            <a:ln w="13550" cap="flat">
               <a:solidFill>
-                <a:srgbClr val="DEDEDE">
+                <a:srgbClr val="EBEBEB">
                   <a:alpha val="100000"/>
                 </a:srgbClr>
               </a:solidFill>
@@ -3605,28 +3605,28 @@
           </p:nvSpPr>
           <p:spPr>
             <a:xfrm>
-              <a:off x="2023549" y="3861620"/>
-              <a:ext cx="6913543" cy="0"/>
+              <a:off x="3575715" y="1809173"/>
+              <a:ext cx="0" cy="3464924"/>
             </a:xfrm>
             <a:custGeom>
               <a:avLst/>
               <a:pathLst>
-                <a:path w="6913543" h="0">
+                <a:path w="0" h="3464924">
                   <a:moveTo>
+                    <a:pt x="0" y="3464924"/>
+                  </a:moveTo>
+                  <a:lnTo>
                     <a:pt x="0" y="0"/>
-                  </a:moveTo>
-                  <a:lnTo>
-                    <a:pt x="6913543" y="0"/>
-                  </a:lnTo>
-                  <a:lnTo>
-                    <a:pt x="6913543" y="0"/>
+                  </a:lnTo>
+                  <a:lnTo>
+                    <a:pt x="0" y="0"/>
                   </a:lnTo>
                 </a:path>
               </a:pathLst>
             </a:custGeom>
-            <a:ln w="6775" cap="flat">
+            <a:ln w="13550" cap="flat">
               <a:solidFill>
-                <a:srgbClr val="DEDEDE">
+                <a:srgbClr val="EBEBEB">
                   <a:alpha val="100000"/>
                 </a:srgbClr>
               </a:solidFill>
@@ -3648,28 +3648,28 @@
           </p:nvSpPr>
           <p:spPr>
             <a:xfrm>
-              <a:off x="2023549" y="3367924"/>
-              <a:ext cx="6913543" cy="0"/>
+              <a:off x="4097935" y="1809173"/>
+              <a:ext cx="0" cy="3464924"/>
             </a:xfrm>
             <a:custGeom>
               <a:avLst/>
               <a:pathLst>
-                <a:path w="6913543" h="0">
+                <a:path w="0" h="3464924">
                   <a:moveTo>
+                    <a:pt x="0" y="3464924"/>
+                  </a:moveTo>
+                  <a:lnTo>
                     <a:pt x="0" y="0"/>
-                  </a:moveTo>
-                  <a:lnTo>
-                    <a:pt x="6913543" y="0"/>
-                  </a:lnTo>
-                  <a:lnTo>
-                    <a:pt x="6913543" y="0"/>
+                  </a:lnTo>
+                  <a:lnTo>
+                    <a:pt x="0" y="0"/>
                   </a:lnTo>
                 </a:path>
               </a:pathLst>
             </a:custGeom>
-            <a:ln w="6775" cap="flat">
+            <a:ln w="13550" cap="flat">
               <a:solidFill>
-                <a:srgbClr val="DEDEDE">
+                <a:srgbClr val="EBEBEB">
                   <a:alpha val="100000"/>
                 </a:srgbClr>
               </a:solidFill>
@@ -3685,34 +3685,125 @@
         </p:sp>
         <p:sp>
           <p:nvSpPr>
-            <p:cNvPr id="17" name="pl17"/>
-            <p:cNvSpPr/>
-            <p:nvPr/>
-          </p:nvSpPr>
-          <p:spPr>
-            <a:xfrm>
-              <a:off x="2023549" y="2874227"/>
-              <a:ext cx="6913543" cy="0"/>
-            </a:xfrm>
-            <a:custGeom>
-              <a:avLst/>
-              <a:pathLst>
-                <a:path w="6913543" h="0">
-                  <a:moveTo>
-                    <a:pt x="0" y="0"/>
-                  </a:moveTo>
-                  <a:lnTo>
-                    <a:pt x="6913543" y="0"/>
-                  </a:lnTo>
-                  <a:lnTo>
-                    <a:pt x="6913543" y="0"/>
-                  </a:lnTo>
-                </a:path>
-              </a:pathLst>
-            </a:custGeom>
-            <a:ln w="6775" cap="flat">
+            <p:cNvPr id="17" name="rc17"/>
+            <p:cNvSpPr/>
+            <p:nvPr/>
+          </p:nvSpPr>
+          <p:spPr>
+            <a:xfrm>
+              <a:off x="2818496" y="5092322"/>
+              <a:ext cx="469997" cy="24278"/>
+            </a:xfrm>
+            <a:prstGeom prst="rect">
+              <a:avLst/>
+            </a:prstGeom>
+            <a:solidFill>
+              <a:srgbClr val="FCAE91">
+                <a:alpha val="100000"/>
+              </a:srgbClr>
+            </a:solidFill>
+          </p:spPr>
+          <p:txBody>
+            <a:bodyPr/>
+            <a:lstStyle/>
+            <a:p/>
+          </p:txBody>
+        </p:sp>
+        <p:sp>
+          <p:nvSpPr>
+            <p:cNvPr id="18" name="rc18"/>
+            <p:cNvSpPr/>
+            <p:nvPr/>
+          </p:nvSpPr>
+          <p:spPr>
+            <a:xfrm>
+              <a:off x="2296276" y="5104461"/>
+              <a:ext cx="469997" cy="12139"/>
+            </a:xfrm>
+            <a:prstGeom prst="rect">
+              <a:avLst/>
+            </a:prstGeom>
+            <a:solidFill>
+              <a:srgbClr val="FEE5D9">
+                <a:alpha val="100000"/>
+              </a:srgbClr>
+            </a:solidFill>
+          </p:spPr>
+          <p:txBody>
+            <a:bodyPr/>
+            <a:lstStyle/>
+            <a:p/>
+          </p:txBody>
+        </p:sp>
+        <p:sp>
+          <p:nvSpPr>
+            <p:cNvPr id="19" name="rc19"/>
+            <p:cNvSpPr/>
+            <p:nvPr/>
+          </p:nvSpPr>
+          <p:spPr>
+            <a:xfrm>
+              <a:off x="3862936" y="2628092"/>
+              <a:ext cx="469997" cy="2488507"/>
+            </a:xfrm>
+            <a:prstGeom prst="rect">
+              <a:avLst/>
+            </a:prstGeom>
+            <a:solidFill>
+              <a:srgbClr val="CB181D">
+                <a:alpha val="100000"/>
+              </a:srgbClr>
+            </a:solidFill>
+          </p:spPr>
+          <p:txBody>
+            <a:bodyPr/>
+            <a:lstStyle/>
+            <a:p/>
+          </p:txBody>
+        </p:sp>
+        <p:sp>
+          <p:nvSpPr>
+            <p:cNvPr id="20" name="rc20"/>
+            <p:cNvSpPr/>
+            <p:nvPr/>
+          </p:nvSpPr>
+          <p:spPr>
+            <a:xfrm>
+              <a:off x="3340716" y="2300338"/>
+              <a:ext cx="469997" cy="2816262"/>
+            </a:xfrm>
+            <a:prstGeom prst="rect">
+              <a:avLst/>
+            </a:prstGeom>
+            <a:solidFill>
+              <a:srgbClr val="FB6A4A">
+                <a:alpha val="100000"/>
+              </a:srgbClr>
+            </a:solidFill>
+          </p:spPr>
+          <p:txBody>
+            <a:bodyPr/>
+            <a:lstStyle/>
+            <a:p/>
+          </p:txBody>
+        </p:sp>
+        <p:sp>
+          <p:nvSpPr>
+            <p:cNvPr id="21" name="rc21"/>
+            <p:cNvSpPr/>
+            <p:nvPr/>
+          </p:nvSpPr>
+          <p:spPr>
+            <a:xfrm>
+              <a:off x="2217943" y="1809173"/>
+              <a:ext cx="2193323" cy="3464924"/>
+            </a:xfrm>
+            <a:prstGeom prst="rect">
+              <a:avLst/>
+            </a:prstGeom>
+            <a:ln w="13550" cap="rnd">
               <a:solidFill>
-                <a:srgbClr val="DEDEDE">
+                <a:srgbClr val="333333">
                   <a:alpha val="100000"/>
                 </a:srgbClr>
               </a:solidFill>
@@ -3728,34 +3819,60 @@
         </p:sp>
         <p:sp>
           <p:nvSpPr>
-            <p:cNvPr id="18" name="pl18"/>
-            <p:cNvSpPr/>
-            <p:nvPr/>
-          </p:nvSpPr>
-          <p:spPr>
-            <a:xfrm>
-              <a:off x="2023549" y="2380531"/>
-              <a:ext cx="6913543" cy="0"/>
+            <p:cNvPr id="22" name="rc22"/>
+            <p:cNvSpPr/>
+            <p:nvPr/>
+          </p:nvSpPr>
+          <p:spPr>
+            <a:xfrm>
+              <a:off x="4480856" y="1809173"/>
+              <a:ext cx="2193323" cy="3464924"/>
+            </a:xfrm>
+            <a:prstGeom prst="rect">
+              <a:avLst/>
+            </a:prstGeom>
+            <a:solidFill>
+              <a:srgbClr val="FFFFFF">
+                <a:alpha val="100000"/>
+              </a:srgbClr>
+            </a:solidFill>
+          </p:spPr>
+          <p:txBody>
+            <a:bodyPr/>
+            <a:lstStyle/>
+            <a:p/>
+          </p:txBody>
+        </p:sp>
+        <p:sp>
+          <p:nvSpPr>
+            <p:cNvPr id="23" name="pl23"/>
+            <p:cNvSpPr/>
+            <p:nvPr/>
+          </p:nvSpPr>
+          <p:spPr>
+            <a:xfrm>
+              <a:off x="4480856" y="4582482"/>
+              <a:ext cx="2193323" cy="0"/>
             </a:xfrm>
             <a:custGeom>
               <a:avLst/>
               <a:pathLst>
-                <a:path w="6913543" h="0">
+                <a:path w="2193323" h="0">
                   <a:moveTo>
                     <a:pt x="0" y="0"/>
                   </a:moveTo>
                   <a:lnTo>
-                    <a:pt x="6913543" y="0"/>
-                  </a:lnTo>
-                  <a:lnTo>
-                    <a:pt x="6913543" y="0"/>
+                    <a:pt x="2193323" y="0"/>
+                  </a:lnTo>
+                  <a:lnTo>
+                    <a:pt x="2193323" y="0"/>
                   </a:lnTo>
                 </a:path>
               </a:pathLst>
             </a:custGeom>
             <a:ln w="6775" cap="flat">
               <a:solidFill>
-                <a:srgbClr val="DEDEDE">
+                <a:srgbClr val="EBEBEB">
                   <a:alpha val="100000"/>
                 </a:srgbClr>
               </a:solidFill>
@@ -3771,34 +3888,34 @@
         </p:sp>
         <p:sp>
           <p:nvSpPr>
-            <p:cNvPr id="19" name="pl19"/>
-            <p:cNvSpPr/>
-            <p:nvPr/>
-          </p:nvSpPr>
-          <p:spPr>
-            <a:xfrm>
-              <a:off x="2023549" y="1886835"/>
-              <a:ext cx="6913543" cy="0"/>
+            <p:cNvPr id="24" name="pl24"/>
+            <p:cNvSpPr/>
+            <p:nvPr/>
+          </p:nvSpPr>
+          <p:spPr>
+            <a:xfrm>
+              <a:off x="4480856" y="3514244"/>
+              <a:ext cx="2193323" cy="0"/>
             </a:xfrm>
             <a:custGeom>
               <a:avLst/>
               <a:pathLst>
-                <a:path w="6913543" h="0">
+                <a:path w="2193323" h="0">
                   <a:moveTo>
                     <a:pt x="0" y="0"/>
                   </a:moveTo>
                   <a:lnTo>
-                    <a:pt x="6913543" y="0"/>
-                  </a:lnTo>
-                  <a:lnTo>
-                    <a:pt x="6913543" y="0"/>
+                    <a:pt x="2193323" y="0"/>
+                  </a:lnTo>
+                  <a:lnTo>
+                    <a:pt x="2193323" y="0"/>
                   </a:lnTo>
                 </a:path>
               </a:pathLst>
             </a:custGeom>
             <a:ln w="6775" cap="flat">
               <a:solidFill>
-                <a:srgbClr val="DEDEDE">
+                <a:srgbClr val="EBEBEB">
                   <a:alpha val="100000"/>
                 </a:srgbClr>
               </a:solidFill>
@@ -3814,34 +3931,34 @@
         </p:sp>
         <p:sp>
           <p:nvSpPr>
-            <p:cNvPr id="20" name="pl20"/>
-            <p:cNvSpPr/>
-            <p:nvPr/>
-          </p:nvSpPr>
-          <p:spPr>
-            <a:xfrm>
-              <a:off x="2023549" y="1590617"/>
-              <a:ext cx="0" cy="4048310"/>
+            <p:cNvPr id="25" name="pl25"/>
+            <p:cNvSpPr/>
+            <p:nvPr/>
+          </p:nvSpPr>
+          <p:spPr>
+            <a:xfrm>
+              <a:off x="4480856" y="2446007"/>
+              <a:ext cx="2193323" cy="0"/>
             </a:xfrm>
             <a:custGeom>
               <a:avLst/>
               <a:pathLst>
-                <a:path w="0" h="4048310">
+                <a:path w="2193323" h="0">
                   <a:moveTo>
-                    <a:pt x="0" y="4048310"/>
+                    <a:pt x="0" y="0"/>
                   </a:moveTo>
                   <a:lnTo>
-                    <a:pt x="0" y="0"/>
-                  </a:lnTo>
-                  <a:lnTo>
-                    <a:pt x="0" y="0"/>
+                    <a:pt x="2193323" y="0"/>
+                  </a:lnTo>
+                  <a:lnTo>
+                    <a:pt x="2193323" y="0"/>
                   </a:lnTo>
                 </a:path>
               </a:pathLst>
             </a:custGeom>
             <a:ln w="6775" cap="flat">
               <a:solidFill>
-                <a:srgbClr val="DEDEDE">
+                <a:srgbClr val="EBEBEB">
                   <a:alpha val="100000"/>
                 </a:srgbClr>
               </a:solidFill>
@@ -3857,34 +3974,34 @@
         </p:sp>
         <p:sp>
           <p:nvSpPr>
-            <p:cNvPr id="21" name="pl21"/>
-            <p:cNvSpPr/>
-            <p:nvPr/>
-          </p:nvSpPr>
-          <p:spPr>
-            <a:xfrm>
-              <a:off x="3165970" y="1590617"/>
-              <a:ext cx="0" cy="4048310"/>
+            <p:cNvPr id="26" name="pl26"/>
+            <p:cNvSpPr/>
+            <p:nvPr/>
+          </p:nvSpPr>
+          <p:spPr>
+            <a:xfrm>
+              <a:off x="4480856" y="5116600"/>
+              <a:ext cx="2193323" cy="0"/>
             </a:xfrm>
             <a:custGeom>
               <a:avLst/>
               <a:pathLst>
-                <a:path w="0" h="4048310">
+                <a:path w="2193323" h="0">
                   <a:moveTo>
-                    <a:pt x="0" y="4048310"/>
+                    <a:pt x="0" y="0"/>
                   </a:moveTo>
                   <a:lnTo>
-                    <a:pt x="0" y="0"/>
-                  </a:lnTo>
-                  <a:lnTo>
-                    <a:pt x="0" y="0"/>
+                    <a:pt x="2193323" y="0"/>
+                  </a:lnTo>
+                  <a:lnTo>
+                    <a:pt x="2193323" y="0"/>
                   </a:lnTo>
                 </a:path>
               </a:pathLst>
             </a:custGeom>
-            <a:ln w="6775" cap="flat">
+            <a:ln w="13550" cap="flat">
               <a:solidFill>
-                <a:srgbClr val="DEDEDE">
+                <a:srgbClr val="EBEBEB">
                   <a:alpha val="100000"/>
                 </a:srgbClr>
               </a:solidFill>
@@ -3900,34 +4017,34 @@
         </p:sp>
         <p:sp>
           <p:nvSpPr>
-            <p:cNvPr id="22" name="pl22"/>
-            <p:cNvSpPr/>
-            <p:nvPr/>
-          </p:nvSpPr>
-          <p:spPr>
-            <a:xfrm>
-              <a:off x="4308391" y="1590617"/>
-              <a:ext cx="0" cy="4048310"/>
+            <p:cNvPr id="27" name="pl27"/>
+            <p:cNvSpPr/>
+            <p:nvPr/>
+          </p:nvSpPr>
+          <p:spPr>
+            <a:xfrm>
+              <a:off x="4480856" y="4048363"/>
+              <a:ext cx="2193323" cy="0"/>
             </a:xfrm>
             <a:custGeom>
               <a:avLst/>
               <a:pathLst>
-                <a:path w="0" h="4048310">
+                <a:path w="2193323" h="0">
                   <a:moveTo>
-                    <a:pt x="0" y="4048310"/>
+                    <a:pt x="0" y="0"/>
                   </a:moveTo>
                   <a:lnTo>
-                    <a:pt x="0" y="0"/>
-                  </a:lnTo>
-                  <a:lnTo>
-                    <a:pt x="0" y="0"/>
+                    <a:pt x="2193323" y="0"/>
+                  </a:lnTo>
+                  <a:lnTo>
+                    <a:pt x="2193323" y="0"/>
                   </a:lnTo>
                 </a:path>
               </a:pathLst>
             </a:custGeom>
-            <a:ln w="6775" cap="flat">
+            <a:ln w="13550" cap="flat">
               <a:solidFill>
-                <a:srgbClr val="DEDEDE">
+                <a:srgbClr val="EBEBEB">
                   <a:alpha val="100000"/>
                 </a:srgbClr>
               </a:solidFill>
@@ -3943,34 +4060,34 @@
         </p:sp>
         <p:sp>
           <p:nvSpPr>
-            <p:cNvPr id="23" name="pl23"/>
-            <p:cNvSpPr/>
-            <p:nvPr/>
-          </p:nvSpPr>
-          <p:spPr>
-            <a:xfrm>
-              <a:off x="5450812" y="1590617"/>
-              <a:ext cx="0" cy="4048310"/>
+            <p:cNvPr id="28" name="pl28"/>
+            <p:cNvSpPr/>
+            <p:nvPr/>
+          </p:nvSpPr>
+          <p:spPr>
+            <a:xfrm>
+              <a:off x="4480856" y="2980125"/>
+              <a:ext cx="2193323" cy="0"/>
             </a:xfrm>
             <a:custGeom>
               <a:avLst/>
               <a:pathLst>
-                <a:path w="0" h="4048310">
+                <a:path w="2193323" h="0">
                   <a:moveTo>
-                    <a:pt x="0" y="4048310"/>
+                    <a:pt x="0" y="0"/>
                   </a:moveTo>
                   <a:lnTo>
-                    <a:pt x="0" y="0"/>
-                  </a:lnTo>
-                  <a:lnTo>
-                    <a:pt x="0" y="0"/>
+                    <a:pt x="2193323" y="0"/>
+                  </a:lnTo>
+                  <a:lnTo>
+                    <a:pt x="2193323" y="0"/>
                   </a:lnTo>
                 </a:path>
               </a:pathLst>
             </a:custGeom>
-            <a:ln w="6775" cap="flat">
+            <a:ln w="13550" cap="flat">
               <a:solidFill>
-                <a:srgbClr val="DEDEDE">
+                <a:srgbClr val="EBEBEB">
                   <a:alpha val="100000"/>
                 </a:srgbClr>
               </a:solidFill>
@@ -3986,34 +4103,34 @@
         </p:sp>
         <p:sp>
           <p:nvSpPr>
-            <p:cNvPr id="24" name="pl24"/>
-            <p:cNvSpPr/>
-            <p:nvPr/>
-          </p:nvSpPr>
-          <p:spPr>
-            <a:xfrm>
-              <a:off x="6593233" y="1590617"/>
-              <a:ext cx="0" cy="4048310"/>
+            <p:cNvPr id="29" name="pl29"/>
+            <p:cNvSpPr/>
+            <p:nvPr/>
+          </p:nvSpPr>
+          <p:spPr>
+            <a:xfrm>
+              <a:off x="4480856" y="1911888"/>
+              <a:ext cx="2193323" cy="0"/>
             </a:xfrm>
             <a:custGeom>
               <a:avLst/>
               <a:pathLst>
-                <a:path w="0" h="4048310">
+                <a:path w="2193323" h="0">
                   <a:moveTo>
-                    <a:pt x="0" y="4048310"/>
+                    <a:pt x="0" y="0"/>
                   </a:moveTo>
                   <a:lnTo>
-                    <a:pt x="0" y="0"/>
-                  </a:lnTo>
-                  <a:lnTo>
-                    <a:pt x="0" y="0"/>
+                    <a:pt x="2193323" y="0"/>
+                  </a:lnTo>
+                  <a:lnTo>
+                    <a:pt x="2193323" y="0"/>
                   </a:lnTo>
                 </a:path>
               </a:pathLst>
             </a:custGeom>
-            <a:ln w="6775" cap="flat">
+            <a:ln w="13550" cap="flat">
               <a:solidFill>
-                <a:srgbClr val="DEDEDE">
+                <a:srgbClr val="EBEBEB">
                   <a:alpha val="100000"/>
                 </a:srgbClr>
               </a:solidFill>
@@ -4029,21 +4146,21 @@
         </p:sp>
         <p:sp>
           <p:nvSpPr>
-            <p:cNvPr id="25" name="pl25"/>
-            <p:cNvSpPr/>
-            <p:nvPr/>
-          </p:nvSpPr>
-          <p:spPr>
-            <a:xfrm>
-              <a:off x="7735654" y="1590617"/>
-              <a:ext cx="0" cy="4048310"/>
+            <p:cNvPr id="30" name="pl30"/>
+            <p:cNvSpPr/>
+            <p:nvPr/>
+          </p:nvSpPr>
+          <p:spPr>
+            <a:xfrm>
+              <a:off x="4794188" y="1809173"/>
+              <a:ext cx="0" cy="3464924"/>
             </a:xfrm>
             <a:custGeom>
               <a:avLst/>
               <a:pathLst>
-                <a:path w="0" h="4048310">
+                <a:path w="0" h="3464924">
                   <a:moveTo>
-                    <a:pt x="0" y="4048310"/>
+                    <a:pt x="0" y="3464924"/>
                   </a:moveTo>
                   <a:lnTo>
                     <a:pt x="0" y="0"/>
@@ -4054,9 +4171,9 @@
                 </a:path>
               </a:pathLst>
             </a:custGeom>
-            <a:ln w="6775" cap="flat">
+            <a:ln w="13550" cap="flat">
               <a:solidFill>
-                <a:srgbClr val="DEDEDE">
+                <a:srgbClr val="EBEBEB">
                   <a:alpha val="100000"/>
                 </a:srgbClr>
               </a:solidFill>
@@ -4072,21 +4189,21 @@
         </p:sp>
         <p:sp>
           <p:nvSpPr>
-            <p:cNvPr id="26" name="pl26"/>
-            <p:cNvSpPr/>
-            <p:nvPr/>
-          </p:nvSpPr>
-          <p:spPr>
-            <a:xfrm>
-              <a:off x="8878074" y="1590617"/>
-              <a:ext cx="0" cy="4048310"/>
+            <p:cNvPr id="31" name="pl31"/>
+            <p:cNvSpPr/>
+            <p:nvPr/>
+          </p:nvSpPr>
+          <p:spPr>
+            <a:xfrm>
+              <a:off x="5316408" y="1809173"/>
+              <a:ext cx="0" cy="3464924"/>
             </a:xfrm>
             <a:custGeom>
               <a:avLst/>
               <a:pathLst>
-                <a:path w="0" h="4048310">
+                <a:path w="0" h="3464924">
                   <a:moveTo>
-                    <a:pt x="0" y="4048310"/>
+                    <a:pt x="0" y="3464924"/>
                   </a:moveTo>
                   <a:lnTo>
                     <a:pt x="0" y="0"/>
@@ -4097,9 +4214,9 @@
                 </a:path>
               </a:pathLst>
             </a:custGeom>
-            <a:ln w="6775" cap="flat">
+            <a:ln w="13550" cap="flat">
               <a:solidFill>
-                <a:srgbClr val="DEDEDE">
+                <a:srgbClr val="EBEBEB">
                   <a:alpha val="100000"/>
                 </a:srgbClr>
               </a:solidFill>
@@ -4115,597 +4232,34 @@
         </p:sp>
         <p:sp>
           <p:nvSpPr>
-            <p:cNvPr id="27" name="rc27"/>
-            <p:cNvSpPr/>
-            <p:nvPr/>
-          </p:nvSpPr>
-          <p:spPr>
-            <a:xfrm>
-              <a:off x="2023549" y="1664671"/>
-              <a:ext cx="6777983" cy="444326"/>
-            </a:xfrm>
-            <a:prstGeom prst="rect">
-              <a:avLst/>
-            </a:prstGeom>
-            <a:solidFill>
-              <a:srgbClr val="595959">
-                <a:alpha val="100000"/>
-              </a:srgbClr>
-            </a:solidFill>
-          </p:spPr>
-          <p:txBody>
-            <a:bodyPr/>
-            <a:lstStyle/>
-            <a:p/>
-          </p:txBody>
-        </p:sp>
-        <p:sp>
-          <p:nvSpPr>
-            <p:cNvPr id="28" name="rc28"/>
-            <p:cNvSpPr/>
-            <p:nvPr/>
-          </p:nvSpPr>
-          <p:spPr>
-            <a:xfrm>
-              <a:off x="2023549" y="2158368"/>
-              <a:ext cx="3584916" cy="444326"/>
-            </a:xfrm>
-            <a:prstGeom prst="rect">
-              <a:avLst/>
-            </a:prstGeom>
-            <a:solidFill>
-              <a:srgbClr val="595959">
-                <a:alpha val="100000"/>
-              </a:srgbClr>
-            </a:solidFill>
-          </p:spPr>
-          <p:txBody>
-            <a:bodyPr/>
-            <a:lstStyle/>
-            <a:p/>
-          </p:txBody>
-        </p:sp>
-        <p:sp>
-          <p:nvSpPr>
-            <p:cNvPr id="29" name="rc29"/>
-            <p:cNvSpPr/>
-            <p:nvPr/>
-          </p:nvSpPr>
-          <p:spPr>
-            <a:xfrm>
-              <a:off x="2023549" y="2652064"/>
-              <a:ext cx="3282175" cy="444326"/>
-            </a:xfrm>
-            <a:prstGeom prst="rect">
-              <a:avLst/>
-            </a:prstGeom>
-            <a:solidFill>
-              <a:srgbClr val="595959">
-                <a:alpha val="100000"/>
-              </a:srgbClr>
-            </a:solidFill>
-          </p:spPr>
-          <p:txBody>
-            <a:bodyPr/>
-            <a:lstStyle/>
-            <a:p/>
-          </p:txBody>
-        </p:sp>
-        <p:sp>
-          <p:nvSpPr>
-            <p:cNvPr id="30" name="rc30"/>
-            <p:cNvSpPr/>
-            <p:nvPr/>
-          </p:nvSpPr>
-          <p:spPr>
-            <a:xfrm>
-              <a:off x="2023549" y="3145760"/>
-              <a:ext cx="2489335" cy="444326"/>
-            </a:xfrm>
-            <a:prstGeom prst="rect">
-              <a:avLst/>
-            </a:prstGeom>
-            <a:solidFill>
-              <a:srgbClr val="595959">
-                <a:alpha val="100000"/>
-              </a:srgbClr>
-            </a:solidFill>
-          </p:spPr>
-          <p:txBody>
-            <a:bodyPr/>
-            <a:lstStyle/>
-            <a:p/>
-          </p:txBody>
-        </p:sp>
-        <p:sp>
-          <p:nvSpPr>
-            <p:cNvPr id="31" name="rc31"/>
-            <p:cNvSpPr/>
-            <p:nvPr/>
-          </p:nvSpPr>
-          <p:spPr>
-            <a:xfrm>
-              <a:off x="2023549" y="3639457"/>
-              <a:ext cx="1246381" cy="444326"/>
-            </a:xfrm>
-            <a:prstGeom prst="rect">
-              <a:avLst/>
-            </a:prstGeom>
-            <a:solidFill>
-              <a:srgbClr val="595959">
-                <a:alpha val="100000"/>
-              </a:srgbClr>
-            </a:solidFill>
-          </p:spPr>
-          <p:txBody>
-            <a:bodyPr/>
-            <a:lstStyle/>
-            <a:p/>
-          </p:txBody>
-        </p:sp>
-        <p:sp>
-          <p:nvSpPr>
-            <p:cNvPr id="32" name="rc32"/>
-            <p:cNvSpPr/>
-            <p:nvPr/>
-          </p:nvSpPr>
-          <p:spPr>
-            <a:xfrm>
-              <a:off x="2023549" y="4133153"/>
-              <a:ext cx="595201" cy="444326"/>
-            </a:xfrm>
-            <a:prstGeom prst="rect">
-              <a:avLst/>
-            </a:prstGeom>
-            <a:solidFill>
-              <a:srgbClr val="595959">
-                <a:alpha val="100000"/>
-              </a:srgbClr>
-            </a:solidFill>
-          </p:spPr>
-          <p:txBody>
-            <a:bodyPr/>
-            <a:lstStyle/>
-            <a:p/>
-          </p:txBody>
-        </p:sp>
-        <p:sp>
-          <p:nvSpPr>
-            <p:cNvPr id="33" name="rc33"/>
-            <p:cNvSpPr/>
-            <p:nvPr/>
-          </p:nvSpPr>
-          <p:spPr>
-            <a:xfrm>
-              <a:off x="2023549" y="4626850"/>
-              <a:ext cx="562071" cy="444326"/>
-            </a:xfrm>
-            <a:prstGeom prst="rect">
-              <a:avLst/>
-            </a:prstGeom>
-            <a:solidFill>
-              <a:srgbClr val="595959">
-                <a:alpha val="100000"/>
-              </a:srgbClr>
-            </a:solidFill>
-          </p:spPr>
-          <p:txBody>
-            <a:bodyPr/>
-            <a:lstStyle/>
-            <a:p/>
-          </p:txBody>
-        </p:sp>
-        <p:sp>
-          <p:nvSpPr>
-            <p:cNvPr id="34" name="rc34"/>
-            <p:cNvSpPr/>
-            <p:nvPr/>
-          </p:nvSpPr>
-          <p:spPr>
-            <a:xfrm>
-              <a:off x="2023549" y="5120546"/>
-              <a:ext cx="249047" cy="444326"/>
-            </a:xfrm>
-            <a:prstGeom prst="rect">
-              <a:avLst/>
-            </a:prstGeom>
-            <a:solidFill>
-              <a:srgbClr val="595959">
-                <a:alpha val="100000"/>
-              </a:srgbClr>
-            </a:solidFill>
-          </p:spPr>
-          <p:txBody>
-            <a:bodyPr/>
-            <a:lstStyle/>
-            <a:p/>
-          </p:txBody>
-        </p:sp>
-        <p:sp>
-          <p:nvSpPr>
-            <p:cNvPr id="35" name="tx35"/>
-            <p:cNvSpPr/>
-            <p:nvPr/>
-          </p:nvSpPr>
-          <p:spPr>
-            <a:xfrm>
-              <a:off x="8201672" y="1829869"/>
-              <a:ext cx="436637" cy="80245"/>
-            </a:xfrm>
-            <a:prstGeom prst="rect">
-              <a:avLst/>
-            </a:prstGeom>
-            <a:noFill/>
-          </p:spPr>
-          <p:txBody>
-            <a:bodyPr lIns="0" rIns="0" tIns="0" bIns="0" anchorCtr="1" anchor="ctr" wrap="none"/>
-            <a:lstStyle/>
-            <a:p>
-              <a:pPr algn="l" marL="0" marR="0" indent="0">
-                <a:lnSpc>
-                  <a:spcPts val="853"/>
-                </a:lnSpc>
-                <a:spcBef>
-                  <a:spcPts val="0"/>
-                </a:spcBef>
-                <a:spcAft>
-                  <a:spcPts val="0"/>
-                </a:spcAft>
-              </a:pPr>
-              <a:r>
-                <a:rPr sz="853" b="1">
-                  <a:solidFill>
-                    <a:srgbClr val="FFFFFF">
-                      <a:alpha val="100000"/>
-                    </a:srgbClr>
-                  </a:solidFill>
-                  <a:latin typeface="Arial"/>
-                  <a:cs typeface="Arial"/>
-                </a:rPr>
-                <a:t>商超/便利店</a:t>
-              </a:r>
-            </a:p>
-          </p:txBody>
-        </p:sp>
-        <p:sp>
-          <p:nvSpPr>
-            <p:cNvPr id="36" name="tx36"/>
-            <p:cNvSpPr/>
-            <p:nvPr/>
-          </p:nvSpPr>
-          <p:spPr>
-            <a:xfrm>
-              <a:off x="4388294" y="2336057"/>
-              <a:ext cx="1056948" cy="67753"/>
-            </a:xfrm>
-            <a:prstGeom prst="rect">
-              <a:avLst/>
-            </a:prstGeom>
-            <a:noFill/>
-          </p:spPr>
-          <p:txBody>
-            <a:bodyPr lIns="0" rIns="0" tIns="0" bIns="0" anchorCtr="1" anchor="ctr" wrap="none"/>
-            <a:lstStyle/>
-            <a:p>
-              <a:pPr algn="l" marL="0" marR="0" indent="0">
-                <a:lnSpc>
-                  <a:spcPts val="853"/>
-                </a:lnSpc>
-                <a:spcBef>
-                  <a:spcPts val="0"/>
-                </a:spcBef>
-                <a:spcAft>
-                  <a:spcPts val="0"/>
-                </a:spcAft>
-              </a:pPr>
-              <a:r>
-                <a:rPr sz="853" b="1">
-                  <a:solidFill>
-                    <a:srgbClr val="FFFFFF">
-                      <a:alpha val="100000"/>
-                    </a:srgbClr>
-                  </a:solidFill>
-                  <a:latin typeface="Arial"/>
-                  <a:cs typeface="Arial"/>
-                </a:rPr>
-                <a:t>电商平台（如淘宝、天猫等）</a:t>
-              </a:r>
-            </a:p>
-          </p:txBody>
-        </p:sp>
-        <p:sp>
-          <p:nvSpPr>
-            <p:cNvPr id="37" name="tx37"/>
-            <p:cNvSpPr/>
-            <p:nvPr/>
-          </p:nvSpPr>
-          <p:spPr>
-            <a:xfrm>
-              <a:off x="5468948" y="2845274"/>
-              <a:ext cx="731733" cy="67753"/>
-            </a:xfrm>
-            <a:prstGeom prst="rect">
-              <a:avLst/>
-            </a:prstGeom>
-            <a:noFill/>
-          </p:spPr>
-          <p:txBody>
-            <a:bodyPr lIns="0" rIns="0" tIns="0" bIns="0" anchorCtr="1" anchor="ctr" wrap="none"/>
-            <a:lstStyle/>
-            <a:p>
-              <a:pPr algn="l" marL="0" marR="0" indent="0">
-                <a:lnSpc>
-                  <a:spcPts val="853"/>
-                </a:lnSpc>
-                <a:spcBef>
-                  <a:spcPts val="0"/>
-                </a:spcBef>
-                <a:spcAft>
-                  <a:spcPts val="0"/>
-                </a:spcAft>
-              </a:pPr>
-              <a:r>
-                <a:rPr sz="853">
-                  <a:solidFill>
-                    <a:srgbClr val="000000">
-                      <a:alpha val="100000"/>
-                    </a:srgbClr>
-                  </a:solidFill>
-                  <a:latin typeface="Arial"/>
-                  <a:cs typeface="Arial"/>
-                </a:rPr>
-                <a:t>药店（含网上药店）</a:t>
-              </a:r>
-            </a:p>
-          </p:txBody>
-        </p:sp>
-        <p:sp>
-          <p:nvSpPr>
-            <p:cNvPr id="38" name="tx38"/>
-            <p:cNvSpPr/>
-            <p:nvPr/>
-          </p:nvSpPr>
-          <p:spPr>
-            <a:xfrm>
-              <a:off x="4676107" y="3338970"/>
-              <a:ext cx="1056948" cy="67753"/>
-            </a:xfrm>
-            <a:prstGeom prst="rect">
-              <a:avLst/>
-            </a:prstGeom>
-            <a:noFill/>
-          </p:spPr>
-          <p:txBody>
-            <a:bodyPr lIns="0" rIns="0" tIns="0" bIns="0" anchorCtr="1" anchor="ctr" wrap="none"/>
-            <a:lstStyle/>
-            <a:p>
-              <a:pPr algn="l" marL="0" marR="0" indent="0">
-                <a:lnSpc>
-                  <a:spcPts val="853"/>
-                </a:lnSpc>
-                <a:spcBef>
-                  <a:spcPts val="0"/>
-                </a:spcBef>
-                <a:spcAft>
-                  <a:spcPts val="0"/>
-                </a:spcAft>
-              </a:pPr>
-              <a:r>
-                <a:rPr sz="853">
-                  <a:solidFill>
-                    <a:srgbClr val="000000">
-                      <a:alpha val="100000"/>
-                    </a:srgbClr>
-                  </a:solidFill>
-                  <a:latin typeface="Arial"/>
-                  <a:cs typeface="Arial"/>
-                </a:rPr>
-                <a:t>跨境电商平台（如天猫国际）</a:t>
-              </a:r>
-            </a:p>
-          </p:txBody>
-        </p:sp>
-        <p:sp>
-          <p:nvSpPr>
-            <p:cNvPr id="39" name="tx39"/>
-            <p:cNvSpPr/>
-            <p:nvPr/>
-          </p:nvSpPr>
-          <p:spPr>
-            <a:xfrm>
-              <a:off x="3433153" y="3832666"/>
-              <a:ext cx="975645" cy="67753"/>
-            </a:xfrm>
-            <a:prstGeom prst="rect">
-              <a:avLst/>
-            </a:prstGeom>
-            <a:noFill/>
-          </p:spPr>
-          <p:txBody>
-            <a:bodyPr lIns="0" rIns="0" tIns="0" bIns="0" anchorCtr="1" anchor="ctr" wrap="none"/>
-            <a:lstStyle/>
-            <a:p>
-              <a:pPr algn="l" marL="0" marR="0" indent="0">
-                <a:lnSpc>
-                  <a:spcPts val="853"/>
-                </a:lnSpc>
-                <a:spcBef>
-                  <a:spcPts val="0"/>
-                </a:spcBef>
-                <a:spcAft>
-                  <a:spcPts val="0"/>
-                </a:spcAft>
-              </a:pPr>
-              <a:r>
-                <a:rPr sz="853">
-                  <a:solidFill>
-                    <a:srgbClr val="000000">
-                      <a:alpha val="100000"/>
-                    </a:srgbClr>
-                  </a:solidFill>
-                  <a:latin typeface="Arial"/>
-                  <a:cs typeface="Arial"/>
-                </a:rPr>
-                <a:t>社交电商平台（如拼多多）</a:t>
-              </a:r>
-            </a:p>
-          </p:txBody>
-        </p:sp>
-        <p:sp>
-          <p:nvSpPr>
-            <p:cNvPr id="40" name="tx40"/>
-            <p:cNvSpPr/>
-            <p:nvPr/>
-          </p:nvSpPr>
-          <p:spPr>
-            <a:xfrm>
-              <a:off x="2781973" y="4326363"/>
-              <a:ext cx="162607" cy="67753"/>
-            </a:xfrm>
-            <a:prstGeom prst="rect">
-              <a:avLst/>
-            </a:prstGeom>
-            <a:noFill/>
-          </p:spPr>
-          <p:txBody>
-            <a:bodyPr lIns="0" rIns="0" tIns="0" bIns="0" anchorCtr="1" anchor="ctr" wrap="none"/>
-            <a:lstStyle/>
-            <a:p>
-              <a:pPr algn="l" marL="0" marR="0" indent="0">
-                <a:lnSpc>
-                  <a:spcPts val="853"/>
-                </a:lnSpc>
-                <a:spcBef>
-                  <a:spcPts val="0"/>
-                </a:spcBef>
-                <a:spcAft>
-                  <a:spcPts val="0"/>
-                </a:spcAft>
-              </a:pPr>
-              <a:r>
-                <a:rPr sz="853">
-                  <a:solidFill>
-                    <a:srgbClr val="000000">
-                      <a:alpha val="100000"/>
-                    </a:srgbClr>
-                  </a:solidFill>
-                  <a:latin typeface="Arial"/>
-                  <a:cs typeface="Arial"/>
-                </a:rPr>
-                <a:t>医院</a:t>
-              </a:r>
-            </a:p>
-          </p:txBody>
-        </p:sp>
-        <p:sp>
-          <p:nvSpPr>
-            <p:cNvPr id="41" name="tx41"/>
-            <p:cNvSpPr/>
-            <p:nvPr/>
-          </p:nvSpPr>
-          <p:spPr>
-            <a:xfrm>
-              <a:off x="2748843" y="4820059"/>
-              <a:ext cx="1382163" cy="67753"/>
-            </a:xfrm>
-            <a:prstGeom prst="rect">
-              <a:avLst/>
-            </a:prstGeom>
-            <a:noFill/>
-          </p:spPr>
-          <p:txBody>
-            <a:bodyPr lIns="0" rIns="0" tIns="0" bIns="0" anchorCtr="1" anchor="ctr" wrap="none"/>
-            <a:lstStyle/>
-            <a:p>
-              <a:pPr algn="l" marL="0" marR="0" indent="0">
-                <a:lnSpc>
-                  <a:spcPts val="853"/>
-                </a:lnSpc>
-                <a:spcBef>
-                  <a:spcPts val="0"/>
-                </a:spcBef>
-                <a:spcAft>
-                  <a:spcPts val="0"/>
-                </a:spcAft>
-              </a:pPr>
-              <a:r>
-                <a:rPr sz="853">
-                  <a:solidFill>
-                    <a:srgbClr val="000000">
-                      <a:alpha val="100000"/>
-                    </a:srgbClr>
-                  </a:solidFill>
-                  <a:latin typeface="Arial"/>
-                  <a:cs typeface="Arial"/>
-                </a:rPr>
-                <a:t>直播带货平台（如淘宝直播、抖音等）</a:t>
-              </a:r>
-            </a:p>
-          </p:txBody>
-        </p:sp>
-        <p:sp>
-          <p:nvSpPr>
-            <p:cNvPr id="42" name="tx42"/>
-            <p:cNvSpPr/>
-            <p:nvPr/>
-          </p:nvSpPr>
-          <p:spPr>
-            <a:xfrm>
-              <a:off x="2435820" y="5313756"/>
-              <a:ext cx="406518" cy="67753"/>
-            </a:xfrm>
-            <a:prstGeom prst="rect">
-              <a:avLst/>
-            </a:prstGeom>
-            <a:noFill/>
-          </p:spPr>
-          <p:txBody>
-            <a:bodyPr lIns="0" rIns="0" tIns="0" bIns="0" anchorCtr="1" anchor="ctr" wrap="none"/>
-            <a:lstStyle/>
-            <a:p>
-              <a:pPr algn="l" marL="0" marR="0" indent="0">
-                <a:lnSpc>
-                  <a:spcPts val="853"/>
-                </a:lnSpc>
-                <a:spcBef>
-                  <a:spcPts val="0"/>
-                </a:spcBef>
-                <a:spcAft>
-                  <a:spcPts val="0"/>
-                </a:spcAft>
-              </a:pPr>
-              <a:r>
-                <a:rPr sz="853">
-                  <a:solidFill>
-                    <a:srgbClr val="000000">
-                      <a:alpha val="100000"/>
-                    </a:srgbClr>
-                  </a:solidFill>
-                  <a:latin typeface="Arial"/>
-                  <a:cs typeface="Arial"/>
-                </a:rPr>
-                <a:t>朋友圈微商</a:t>
-              </a:r>
-            </a:p>
-          </p:txBody>
-        </p:sp>
-        <p:sp>
-          <p:nvSpPr>
-            <p:cNvPr id="43" name="rc43"/>
-            <p:cNvSpPr/>
-            <p:nvPr/>
-          </p:nvSpPr>
-          <p:spPr>
-            <a:xfrm>
-              <a:off x="2023549" y="1590617"/>
-              <a:ext cx="6913543" cy="4048310"/>
-            </a:xfrm>
-            <a:prstGeom prst="rect">
-              <a:avLst/>
-            </a:prstGeom>
-            <a:ln w="13550" cap="rnd">
+            <p:cNvPr id="32" name="pl32"/>
+            <p:cNvSpPr/>
+            <p:nvPr/>
+          </p:nvSpPr>
+          <p:spPr>
+            <a:xfrm>
+              <a:off x="5838627" y="1809173"/>
+              <a:ext cx="0" cy="3464924"/>
+            </a:xfrm>
+            <a:custGeom>
+              <a:avLst/>
+              <a:pathLst>
+                <a:path w="0" h="3464924">
+                  <a:moveTo>
+                    <a:pt x="0" y="3464924"/>
+                  </a:moveTo>
+                  <a:lnTo>
+                    <a:pt x="0" y="0"/>
+                  </a:lnTo>
+                  <a:lnTo>
+                    <a:pt x="0" y="0"/>
+                  </a:lnTo>
+                </a:path>
+              </a:pathLst>
+            </a:custGeom>
+            <a:ln w="13550" cap="flat">
               <a:solidFill>
-                <a:srgbClr val="B3B3B3">
+                <a:srgbClr val="EBEBEB">
                   <a:alpha val="100000"/>
                 </a:srgbClr>
               </a:solidFill>
@@ -4721,14 +4275,807 @@
         </p:sp>
         <p:sp>
           <p:nvSpPr>
-            <p:cNvPr id="44" name="tx44"/>
-            <p:cNvSpPr/>
-            <p:nvPr/>
-          </p:nvSpPr>
-          <p:spPr>
-            <a:xfrm>
-              <a:off x="1926599" y="5300963"/>
-              <a:ext cx="62155" cy="81746"/>
+            <p:cNvPr id="33" name="pl33"/>
+            <p:cNvSpPr/>
+            <p:nvPr/>
+          </p:nvSpPr>
+          <p:spPr>
+            <a:xfrm>
+              <a:off x="6360847" y="1809173"/>
+              <a:ext cx="0" cy="3464924"/>
+            </a:xfrm>
+            <a:custGeom>
+              <a:avLst/>
+              <a:pathLst>
+                <a:path w="0" h="3464924">
+                  <a:moveTo>
+                    <a:pt x="0" y="3464924"/>
+                  </a:moveTo>
+                  <a:lnTo>
+                    <a:pt x="0" y="0"/>
+                  </a:lnTo>
+                  <a:lnTo>
+                    <a:pt x="0" y="0"/>
+                  </a:lnTo>
+                </a:path>
+              </a:pathLst>
+            </a:custGeom>
+            <a:ln w="13550" cap="flat">
+              <a:solidFill>
+                <a:srgbClr val="EBEBEB">
+                  <a:alpha val="100000"/>
+                </a:srgbClr>
+              </a:solidFill>
+              <a:prstDash val="solid"/>
+              <a:round/>
+            </a:ln>
+          </p:spPr>
+          <p:txBody>
+            <a:bodyPr/>
+            <a:lstStyle/>
+            <a:p/>
+          </p:txBody>
+        </p:sp>
+        <p:sp>
+          <p:nvSpPr>
+            <p:cNvPr id="34" name="rc34"/>
+            <p:cNvSpPr/>
+            <p:nvPr/>
+          </p:nvSpPr>
+          <p:spPr>
+            <a:xfrm>
+              <a:off x="5081409" y="5095978"/>
+              <a:ext cx="469997" cy="20622"/>
+            </a:xfrm>
+            <a:prstGeom prst="rect">
+              <a:avLst/>
+            </a:prstGeom>
+            <a:solidFill>
+              <a:srgbClr val="FCAE91">
+                <a:alpha val="100000"/>
+              </a:srgbClr>
+            </a:solidFill>
+          </p:spPr>
+          <p:txBody>
+            <a:bodyPr/>
+            <a:lstStyle/>
+            <a:p/>
+          </p:txBody>
+        </p:sp>
+        <p:sp>
+          <p:nvSpPr>
+            <p:cNvPr id="35" name="rc35"/>
+            <p:cNvSpPr/>
+            <p:nvPr/>
+          </p:nvSpPr>
+          <p:spPr>
+            <a:xfrm>
+              <a:off x="6125848" y="2002626"/>
+              <a:ext cx="469997" cy="3113974"/>
+            </a:xfrm>
+            <a:prstGeom prst="rect">
+              <a:avLst/>
+            </a:prstGeom>
+            <a:solidFill>
+              <a:srgbClr val="CB181D">
+                <a:alpha val="100000"/>
+              </a:srgbClr>
+            </a:solidFill>
+          </p:spPr>
+          <p:txBody>
+            <a:bodyPr/>
+            <a:lstStyle/>
+            <a:p/>
+          </p:txBody>
+        </p:sp>
+        <p:sp>
+          <p:nvSpPr>
+            <p:cNvPr id="36" name="rc36"/>
+            <p:cNvSpPr/>
+            <p:nvPr/>
+          </p:nvSpPr>
+          <p:spPr>
+            <a:xfrm>
+              <a:off x="5603629" y="2910009"/>
+              <a:ext cx="469997" cy="2206591"/>
+            </a:xfrm>
+            <a:prstGeom prst="rect">
+              <a:avLst/>
+            </a:prstGeom>
+            <a:solidFill>
+              <a:srgbClr val="FB6A4A">
+                <a:alpha val="100000"/>
+              </a:srgbClr>
+            </a:solidFill>
+          </p:spPr>
+          <p:txBody>
+            <a:bodyPr/>
+            <a:lstStyle/>
+            <a:p/>
+          </p:txBody>
+        </p:sp>
+        <p:sp>
+          <p:nvSpPr>
+            <p:cNvPr id="37" name="rc37"/>
+            <p:cNvSpPr/>
+            <p:nvPr/>
+          </p:nvSpPr>
+          <p:spPr>
+            <a:xfrm>
+              <a:off x="4480856" y="1809173"/>
+              <a:ext cx="2193323" cy="3464924"/>
+            </a:xfrm>
+            <a:prstGeom prst="rect">
+              <a:avLst/>
+            </a:prstGeom>
+            <a:ln w="13550" cap="rnd">
+              <a:solidFill>
+                <a:srgbClr val="333333">
+                  <a:alpha val="100000"/>
+                </a:srgbClr>
+              </a:solidFill>
+              <a:prstDash val="solid"/>
+              <a:round/>
+            </a:ln>
+          </p:spPr>
+          <p:txBody>
+            <a:bodyPr/>
+            <a:lstStyle/>
+            <a:p/>
+          </p:txBody>
+        </p:sp>
+        <p:sp>
+          <p:nvSpPr>
+            <p:cNvPr id="38" name="rc38"/>
+            <p:cNvSpPr/>
+            <p:nvPr/>
+          </p:nvSpPr>
+          <p:spPr>
+            <a:xfrm>
+              <a:off x="6743768" y="1809173"/>
+              <a:ext cx="2193323" cy="3464924"/>
+            </a:xfrm>
+            <a:prstGeom prst="rect">
+              <a:avLst/>
+            </a:prstGeom>
+            <a:solidFill>
+              <a:srgbClr val="FFFFFF">
+                <a:alpha val="100000"/>
+              </a:srgbClr>
+            </a:solidFill>
+          </p:spPr>
+          <p:txBody>
+            <a:bodyPr/>
+            <a:lstStyle/>
+            <a:p/>
+          </p:txBody>
+        </p:sp>
+        <p:sp>
+          <p:nvSpPr>
+            <p:cNvPr id="39" name="pl39"/>
+            <p:cNvSpPr/>
+            <p:nvPr/>
+          </p:nvSpPr>
+          <p:spPr>
+            <a:xfrm>
+              <a:off x="6743768" y="4582482"/>
+              <a:ext cx="2193323" cy="0"/>
+            </a:xfrm>
+            <a:custGeom>
+              <a:avLst/>
+              <a:pathLst>
+                <a:path w="2193323" h="0">
+                  <a:moveTo>
+                    <a:pt x="0" y="0"/>
+                  </a:moveTo>
+                  <a:lnTo>
+                    <a:pt x="2193323" y="0"/>
+                  </a:lnTo>
+                  <a:lnTo>
+                    <a:pt x="2193323" y="0"/>
+                  </a:lnTo>
+                </a:path>
+              </a:pathLst>
+            </a:custGeom>
+            <a:ln w="6775" cap="flat">
+              <a:solidFill>
+                <a:srgbClr val="EBEBEB">
+                  <a:alpha val="100000"/>
+                </a:srgbClr>
+              </a:solidFill>
+              <a:prstDash val="solid"/>
+              <a:round/>
+            </a:ln>
+          </p:spPr>
+          <p:txBody>
+            <a:bodyPr/>
+            <a:lstStyle/>
+            <a:p/>
+          </p:txBody>
+        </p:sp>
+        <p:sp>
+          <p:nvSpPr>
+            <p:cNvPr id="40" name="pl40"/>
+            <p:cNvSpPr/>
+            <p:nvPr/>
+          </p:nvSpPr>
+          <p:spPr>
+            <a:xfrm>
+              <a:off x="6743768" y="3514244"/>
+              <a:ext cx="2193323" cy="0"/>
+            </a:xfrm>
+            <a:custGeom>
+              <a:avLst/>
+              <a:pathLst>
+                <a:path w="2193323" h="0">
+                  <a:moveTo>
+                    <a:pt x="0" y="0"/>
+                  </a:moveTo>
+                  <a:lnTo>
+                    <a:pt x="2193323" y="0"/>
+                  </a:lnTo>
+                  <a:lnTo>
+                    <a:pt x="2193323" y="0"/>
+                  </a:lnTo>
+                </a:path>
+              </a:pathLst>
+            </a:custGeom>
+            <a:ln w="6775" cap="flat">
+              <a:solidFill>
+                <a:srgbClr val="EBEBEB">
+                  <a:alpha val="100000"/>
+                </a:srgbClr>
+              </a:solidFill>
+              <a:prstDash val="solid"/>
+              <a:round/>
+            </a:ln>
+          </p:spPr>
+          <p:txBody>
+            <a:bodyPr/>
+            <a:lstStyle/>
+            <a:p/>
+          </p:txBody>
+        </p:sp>
+        <p:sp>
+          <p:nvSpPr>
+            <p:cNvPr id="41" name="pl41"/>
+            <p:cNvSpPr/>
+            <p:nvPr/>
+          </p:nvSpPr>
+          <p:spPr>
+            <a:xfrm>
+              <a:off x="6743768" y="2446007"/>
+              <a:ext cx="2193323" cy="0"/>
+            </a:xfrm>
+            <a:custGeom>
+              <a:avLst/>
+              <a:pathLst>
+                <a:path w="2193323" h="0">
+                  <a:moveTo>
+                    <a:pt x="0" y="0"/>
+                  </a:moveTo>
+                  <a:lnTo>
+                    <a:pt x="2193323" y="0"/>
+                  </a:lnTo>
+                  <a:lnTo>
+                    <a:pt x="2193323" y="0"/>
+                  </a:lnTo>
+                </a:path>
+              </a:pathLst>
+            </a:custGeom>
+            <a:ln w="6775" cap="flat">
+              <a:solidFill>
+                <a:srgbClr val="EBEBEB">
+                  <a:alpha val="100000"/>
+                </a:srgbClr>
+              </a:solidFill>
+              <a:prstDash val="solid"/>
+              <a:round/>
+            </a:ln>
+          </p:spPr>
+          <p:txBody>
+            <a:bodyPr/>
+            <a:lstStyle/>
+            <a:p/>
+          </p:txBody>
+        </p:sp>
+        <p:sp>
+          <p:nvSpPr>
+            <p:cNvPr id="42" name="pl42"/>
+            <p:cNvSpPr/>
+            <p:nvPr/>
+          </p:nvSpPr>
+          <p:spPr>
+            <a:xfrm>
+              <a:off x="6743768" y="5116600"/>
+              <a:ext cx="2193323" cy="0"/>
+            </a:xfrm>
+            <a:custGeom>
+              <a:avLst/>
+              <a:pathLst>
+                <a:path w="2193323" h="0">
+                  <a:moveTo>
+                    <a:pt x="0" y="0"/>
+                  </a:moveTo>
+                  <a:lnTo>
+                    <a:pt x="2193323" y="0"/>
+                  </a:lnTo>
+                  <a:lnTo>
+                    <a:pt x="2193323" y="0"/>
+                  </a:lnTo>
+                </a:path>
+              </a:pathLst>
+            </a:custGeom>
+            <a:ln w="13550" cap="flat">
+              <a:solidFill>
+                <a:srgbClr val="EBEBEB">
+                  <a:alpha val="100000"/>
+                </a:srgbClr>
+              </a:solidFill>
+              <a:prstDash val="solid"/>
+              <a:round/>
+            </a:ln>
+          </p:spPr>
+          <p:txBody>
+            <a:bodyPr/>
+            <a:lstStyle/>
+            <a:p/>
+          </p:txBody>
+        </p:sp>
+        <p:sp>
+          <p:nvSpPr>
+            <p:cNvPr id="43" name="pl43"/>
+            <p:cNvSpPr/>
+            <p:nvPr/>
+          </p:nvSpPr>
+          <p:spPr>
+            <a:xfrm>
+              <a:off x="6743768" y="4048363"/>
+              <a:ext cx="2193323" cy="0"/>
+            </a:xfrm>
+            <a:custGeom>
+              <a:avLst/>
+              <a:pathLst>
+                <a:path w="2193323" h="0">
+                  <a:moveTo>
+                    <a:pt x="0" y="0"/>
+                  </a:moveTo>
+                  <a:lnTo>
+                    <a:pt x="2193323" y="0"/>
+                  </a:lnTo>
+                  <a:lnTo>
+                    <a:pt x="2193323" y="0"/>
+                  </a:lnTo>
+                </a:path>
+              </a:pathLst>
+            </a:custGeom>
+            <a:ln w="13550" cap="flat">
+              <a:solidFill>
+                <a:srgbClr val="EBEBEB">
+                  <a:alpha val="100000"/>
+                </a:srgbClr>
+              </a:solidFill>
+              <a:prstDash val="solid"/>
+              <a:round/>
+            </a:ln>
+          </p:spPr>
+          <p:txBody>
+            <a:bodyPr/>
+            <a:lstStyle/>
+            <a:p/>
+          </p:txBody>
+        </p:sp>
+        <p:sp>
+          <p:nvSpPr>
+            <p:cNvPr id="44" name="pl44"/>
+            <p:cNvSpPr/>
+            <p:nvPr/>
+          </p:nvSpPr>
+          <p:spPr>
+            <a:xfrm>
+              <a:off x="6743768" y="2980125"/>
+              <a:ext cx="2193323" cy="0"/>
+            </a:xfrm>
+            <a:custGeom>
+              <a:avLst/>
+              <a:pathLst>
+                <a:path w="2193323" h="0">
+                  <a:moveTo>
+                    <a:pt x="0" y="0"/>
+                  </a:moveTo>
+                  <a:lnTo>
+                    <a:pt x="2193323" y="0"/>
+                  </a:lnTo>
+                  <a:lnTo>
+                    <a:pt x="2193323" y="0"/>
+                  </a:lnTo>
+                </a:path>
+              </a:pathLst>
+            </a:custGeom>
+            <a:ln w="13550" cap="flat">
+              <a:solidFill>
+                <a:srgbClr val="EBEBEB">
+                  <a:alpha val="100000"/>
+                </a:srgbClr>
+              </a:solidFill>
+              <a:prstDash val="solid"/>
+              <a:round/>
+            </a:ln>
+          </p:spPr>
+          <p:txBody>
+            <a:bodyPr/>
+            <a:lstStyle/>
+            <a:p/>
+          </p:txBody>
+        </p:sp>
+        <p:sp>
+          <p:nvSpPr>
+            <p:cNvPr id="45" name="pl45"/>
+            <p:cNvSpPr/>
+            <p:nvPr/>
+          </p:nvSpPr>
+          <p:spPr>
+            <a:xfrm>
+              <a:off x="6743768" y="1911888"/>
+              <a:ext cx="2193323" cy="0"/>
+            </a:xfrm>
+            <a:custGeom>
+              <a:avLst/>
+              <a:pathLst>
+                <a:path w="2193323" h="0">
+                  <a:moveTo>
+                    <a:pt x="0" y="0"/>
+                  </a:moveTo>
+                  <a:lnTo>
+                    <a:pt x="2193323" y="0"/>
+                  </a:lnTo>
+                  <a:lnTo>
+                    <a:pt x="2193323" y="0"/>
+                  </a:lnTo>
+                </a:path>
+              </a:pathLst>
+            </a:custGeom>
+            <a:ln w="13550" cap="flat">
+              <a:solidFill>
+                <a:srgbClr val="EBEBEB">
+                  <a:alpha val="100000"/>
+                </a:srgbClr>
+              </a:solidFill>
+              <a:prstDash val="solid"/>
+              <a:round/>
+            </a:ln>
+          </p:spPr>
+          <p:txBody>
+            <a:bodyPr/>
+            <a:lstStyle/>
+            <a:p/>
+          </p:txBody>
+        </p:sp>
+        <p:sp>
+          <p:nvSpPr>
+            <p:cNvPr id="46" name="pl46"/>
+            <p:cNvSpPr/>
+            <p:nvPr/>
+          </p:nvSpPr>
+          <p:spPr>
+            <a:xfrm>
+              <a:off x="7057100" y="1809173"/>
+              <a:ext cx="0" cy="3464924"/>
+            </a:xfrm>
+            <a:custGeom>
+              <a:avLst/>
+              <a:pathLst>
+                <a:path w="0" h="3464924">
+                  <a:moveTo>
+                    <a:pt x="0" y="3464924"/>
+                  </a:moveTo>
+                  <a:lnTo>
+                    <a:pt x="0" y="0"/>
+                  </a:lnTo>
+                  <a:lnTo>
+                    <a:pt x="0" y="0"/>
+                  </a:lnTo>
+                </a:path>
+              </a:pathLst>
+            </a:custGeom>
+            <a:ln w="13550" cap="flat">
+              <a:solidFill>
+                <a:srgbClr val="EBEBEB">
+                  <a:alpha val="100000"/>
+                </a:srgbClr>
+              </a:solidFill>
+              <a:prstDash val="solid"/>
+              <a:round/>
+            </a:ln>
+          </p:spPr>
+          <p:txBody>
+            <a:bodyPr/>
+            <a:lstStyle/>
+            <a:p/>
+          </p:txBody>
+        </p:sp>
+        <p:sp>
+          <p:nvSpPr>
+            <p:cNvPr id="47" name="pl47"/>
+            <p:cNvSpPr/>
+            <p:nvPr/>
+          </p:nvSpPr>
+          <p:spPr>
+            <a:xfrm>
+              <a:off x="7579320" y="1809173"/>
+              <a:ext cx="0" cy="3464924"/>
+            </a:xfrm>
+            <a:custGeom>
+              <a:avLst/>
+              <a:pathLst>
+                <a:path w="0" h="3464924">
+                  <a:moveTo>
+                    <a:pt x="0" y="3464924"/>
+                  </a:moveTo>
+                  <a:lnTo>
+                    <a:pt x="0" y="0"/>
+                  </a:lnTo>
+                  <a:lnTo>
+                    <a:pt x="0" y="0"/>
+                  </a:lnTo>
+                </a:path>
+              </a:pathLst>
+            </a:custGeom>
+            <a:ln w="13550" cap="flat">
+              <a:solidFill>
+                <a:srgbClr val="EBEBEB">
+                  <a:alpha val="100000"/>
+                </a:srgbClr>
+              </a:solidFill>
+              <a:prstDash val="solid"/>
+              <a:round/>
+            </a:ln>
+          </p:spPr>
+          <p:txBody>
+            <a:bodyPr/>
+            <a:lstStyle/>
+            <a:p/>
+          </p:txBody>
+        </p:sp>
+        <p:sp>
+          <p:nvSpPr>
+            <p:cNvPr id="48" name="pl48"/>
+            <p:cNvSpPr/>
+            <p:nvPr/>
+          </p:nvSpPr>
+          <p:spPr>
+            <a:xfrm>
+              <a:off x="8101540" y="1809173"/>
+              <a:ext cx="0" cy="3464924"/>
+            </a:xfrm>
+            <a:custGeom>
+              <a:avLst/>
+              <a:pathLst>
+                <a:path w="0" h="3464924">
+                  <a:moveTo>
+                    <a:pt x="0" y="3464924"/>
+                  </a:moveTo>
+                  <a:lnTo>
+                    <a:pt x="0" y="0"/>
+                  </a:lnTo>
+                  <a:lnTo>
+                    <a:pt x="0" y="0"/>
+                  </a:lnTo>
+                </a:path>
+              </a:pathLst>
+            </a:custGeom>
+            <a:ln w="13550" cap="flat">
+              <a:solidFill>
+                <a:srgbClr val="EBEBEB">
+                  <a:alpha val="100000"/>
+                </a:srgbClr>
+              </a:solidFill>
+              <a:prstDash val="solid"/>
+              <a:round/>
+            </a:ln>
+          </p:spPr>
+          <p:txBody>
+            <a:bodyPr/>
+            <a:lstStyle/>
+            <a:p/>
+          </p:txBody>
+        </p:sp>
+        <p:sp>
+          <p:nvSpPr>
+            <p:cNvPr id="49" name="pl49"/>
+            <p:cNvSpPr/>
+            <p:nvPr/>
+          </p:nvSpPr>
+          <p:spPr>
+            <a:xfrm>
+              <a:off x="8623760" y="1809173"/>
+              <a:ext cx="0" cy="3464924"/>
+            </a:xfrm>
+            <a:custGeom>
+              <a:avLst/>
+              <a:pathLst>
+                <a:path w="0" h="3464924">
+                  <a:moveTo>
+                    <a:pt x="0" y="3464924"/>
+                  </a:moveTo>
+                  <a:lnTo>
+                    <a:pt x="0" y="0"/>
+                  </a:lnTo>
+                  <a:lnTo>
+                    <a:pt x="0" y="0"/>
+                  </a:lnTo>
+                </a:path>
+              </a:pathLst>
+            </a:custGeom>
+            <a:ln w="13550" cap="flat">
+              <a:solidFill>
+                <a:srgbClr val="EBEBEB">
+                  <a:alpha val="100000"/>
+                </a:srgbClr>
+              </a:solidFill>
+              <a:prstDash val="solid"/>
+              <a:round/>
+            </a:ln>
+          </p:spPr>
+          <p:txBody>
+            <a:bodyPr/>
+            <a:lstStyle/>
+            <a:p/>
+          </p:txBody>
+        </p:sp>
+        <p:sp>
+          <p:nvSpPr>
+            <p:cNvPr id="50" name="rc50"/>
+            <p:cNvSpPr/>
+            <p:nvPr/>
+          </p:nvSpPr>
+          <p:spPr>
+            <a:xfrm>
+              <a:off x="7344321" y="5048124"/>
+              <a:ext cx="469997" cy="68476"/>
+            </a:xfrm>
+            <a:prstGeom prst="rect">
+              <a:avLst/>
+            </a:prstGeom>
+            <a:solidFill>
+              <a:srgbClr val="FCAE91">
+                <a:alpha val="100000"/>
+              </a:srgbClr>
+            </a:solidFill>
+          </p:spPr>
+          <p:txBody>
+            <a:bodyPr/>
+            <a:lstStyle/>
+            <a:p/>
+          </p:txBody>
+        </p:sp>
+        <p:sp>
+          <p:nvSpPr>
+            <p:cNvPr id="51" name="rc51"/>
+            <p:cNvSpPr/>
+            <p:nvPr/>
+          </p:nvSpPr>
+          <p:spPr>
+            <a:xfrm>
+              <a:off x="8388761" y="1966669"/>
+              <a:ext cx="469997" cy="3149931"/>
+            </a:xfrm>
+            <a:prstGeom prst="rect">
+              <a:avLst/>
+            </a:prstGeom>
+            <a:solidFill>
+              <a:srgbClr val="CB181D">
+                <a:alpha val="100000"/>
+              </a:srgbClr>
+            </a:solidFill>
+          </p:spPr>
+          <p:txBody>
+            <a:bodyPr/>
+            <a:lstStyle/>
+            <a:p/>
+          </p:txBody>
+        </p:sp>
+        <p:sp>
+          <p:nvSpPr>
+            <p:cNvPr id="52" name="rc52"/>
+            <p:cNvSpPr/>
+            <p:nvPr/>
+          </p:nvSpPr>
+          <p:spPr>
+            <a:xfrm>
+              <a:off x="7866541" y="2993821"/>
+              <a:ext cx="469997" cy="2122779"/>
+            </a:xfrm>
+            <a:prstGeom prst="rect">
+              <a:avLst/>
+            </a:prstGeom>
+            <a:solidFill>
+              <a:srgbClr val="FB6A4A">
+                <a:alpha val="100000"/>
+              </a:srgbClr>
+            </a:solidFill>
+          </p:spPr>
+          <p:txBody>
+            <a:bodyPr/>
+            <a:lstStyle/>
+            <a:p/>
+          </p:txBody>
+        </p:sp>
+        <p:sp>
+          <p:nvSpPr>
+            <p:cNvPr id="53" name="rc53"/>
+            <p:cNvSpPr/>
+            <p:nvPr/>
+          </p:nvSpPr>
+          <p:spPr>
+            <a:xfrm>
+              <a:off x="6743768" y="1809173"/>
+              <a:ext cx="2193323" cy="3464924"/>
+            </a:xfrm>
+            <a:prstGeom prst="rect">
+              <a:avLst/>
+            </a:prstGeom>
+            <a:ln w="13550" cap="rnd">
+              <a:solidFill>
+                <a:srgbClr val="333333">
+                  <a:alpha val="100000"/>
+                </a:srgbClr>
+              </a:solidFill>
+              <a:prstDash val="solid"/>
+              <a:round/>
+            </a:ln>
+          </p:spPr>
+          <p:txBody>
+            <a:bodyPr/>
+            <a:lstStyle/>
+            <a:p/>
+          </p:txBody>
+        </p:sp>
+        <p:sp>
+          <p:nvSpPr>
+            <p:cNvPr id="54" name="rc54"/>
+            <p:cNvSpPr/>
+            <p:nvPr/>
+          </p:nvSpPr>
+          <p:spPr>
+            <a:xfrm>
+              <a:off x="2217943" y="1590617"/>
+              <a:ext cx="2193323" cy="218555"/>
+            </a:xfrm>
+            <a:prstGeom prst="rect">
+              <a:avLst/>
+            </a:prstGeom>
+            <a:solidFill>
+              <a:srgbClr val="D9D9D9">
+                <a:alpha val="100000"/>
+              </a:srgbClr>
+            </a:solidFill>
+            <a:ln w="13550" cap="rnd">
+              <a:solidFill>
+                <a:srgbClr val="333333">
+                  <a:alpha val="100000"/>
+                </a:srgbClr>
+              </a:solidFill>
+              <a:prstDash val="solid"/>
+              <a:round/>
+            </a:ln>
+          </p:spPr>
+          <p:txBody>
+            <a:bodyPr/>
+            <a:lstStyle/>
+            <a:p/>
+          </p:txBody>
+        </p:sp>
+        <p:sp>
+          <p:nvSpPr>
+            <p:cNvPr id="55" name="tx55"/>
+            <p:cNvSpPr/>
+            <p:nvPr/>
+          </p:nvSpPr>
+          <p:spPr>
+            <a:xfrm>
+              <a:off x="3105055" y="1670045"/>
+              <a:ext cx="419100" cy="69850"/>
             </a:xfrm>
             <a:prstGeom prst="rect">
               <a:avLst/>
@@ -4751,30 +5098,65 @@
                 </a:spcAft>
               </a:pPr>
               <a:r>
-                <a:rPr sz="880" b="1">
+                <a:rPr sz="880">
                   <a:solidFill>
-                    <a:srgbClr val="4D4D4D">
+                    <a:srgbClr val="1A1A1A">
                       <a:alpha val="100000"/>
                     </a:srgbClr>
                   </a:solidFill>
                   <a:latin typeface="Arial"/>
                   <a:cs typeface="Arial"/>
                 </a:rPr>
-                <a:t>8</a:t>
+                <a:t>基础研究者</a:t>
               </a:r>
             </a:p>
           </p:txBody>
         </p:sp>
         <p:sp>
           <p:nvSpPr>
-            <p:cNvPr id="45" name="tx45"/>
-            <p:cNvSpPr/>
-            <p:nvPr/>
-          </p:nvSpPr>
-          <p:spPr>
-            <a:xfrm>
-              <a:off x="1926599" y="4810105"/>
-              <a:ext cx="62155" cy="78908"/>
+            <p:cNvPr id="56" name="rc56"/>
+            <p:cNvSpPr/>
+            <p:nvPr/>
+          </p:nvSpPr>
+          <p:spPr>
+            <a:xfrm>
+              <a:off x="4480856" y="1590617"/>
+              <a:ext cx="2193323" cy="218555"/>
+            </a:xfrm>
+            <a:prstGeom prst="rect">
+              <a:avLst/>
+            </a:prstGeom>
+            <a:solidFill>
+              <a:srgbClr val="D9D9D9">
+                <a:alpha val="100000"/>
+              </a:srgbClr>
+            </a:solidFill>
+            <a:ln w="13550" cap="rnd">
+              <a:solidFill>
+                <a:srgbClr val="333333">
+                  <a:alpha val="100000"/>
+                </a:srgbClr>
+              </a:solidFill>
+              <a:prstDash val="solid"/>
+              <a:round/>
+            </a:ln>
+          </p:spPr>
+          <p:txBody>
+            <a:bodyPr/>
+            <a:lstStyle/>
+            <a:p/>
+          </p:txBody>
+        </p:sp>
+        <p:sp>
+          <p:nvSpPr>
+            <p:cNvPr id="57" name="tx57"/>
+            <p:cNvSpPr/>
+            <p:nvPr/>
+          </p:nvSpPr>
+          <p:spPr>
+            <a:xfrm>
+              <a:off x="5409878" y="1670045"/>
+              <a:ext cx="335280" cy="69850"/>
             </a:xfrm>
             <a:prstGeom prst="rect">
               <a:avLst/>
@@ -4797,30 +5179,65 @@
                 </a:spcAft>
               </a:pPr>
               <a:r>
-                <a:rPr sz="880" b="1">
+                <a:rPr sz="880">
                   <a:solidFill>
-                    <a:srgbClr val="4D4D4D">
+                    <a:srgbClr val="1A1A1A">
                       <a:alpha val="100000"/>
                     </a:srgbClr>
                   </a:solidFill>
                   <a:latin typeface="Arial"/>
                   <a:cs typeface="Arial"/>
                 </a:rPr>
-                <a:t>7</a:t>
+                <a:t>临床医生</a:t>
               </a:r>
             </a:p>
           </p:txBody>
         </p:sp>
         <p:sp>
           <p:nvSpPr>
-            <p:cNvPr id="46" name="tx46"/>
-            <p:cNvSpPr/>
-            <p:nvPr/>
-          </p:nvSpPr>
-          <p:spPr>
-            <a:xfrm>
-              <a:off x="1926599" y="4313625"/>
-              <a:ext cx="62155" cy="81691"/>
+            <p:cNvPr id="58" name="rc58"/>
+            <p:cNvSpPr/>
+            <p:nvPr/>
+          </p:nvSpPr>
+          <p:spPr>
+            <a:xfrm>
+              <a:off x="6743768" y="1590617"/>
+              <a:ext cx="2193323" cy="218555"/>
+            </a:xfrm>
+            <a:prstGeom prst="rect">
+              <a:avLst/>
+            </a:prstGeom>
+            <a:solidFill>
+              <a:srgbClr val="D9D9D9">
+                <a:alpha val="100000"/>
+              </a:srgbClr>
+            </a:solidFill>
+            <a:ln w="13550" cap="rnd">
+              <a:solidFill>
+                <a:srgbClr val="333333">
+                  <a:alpha val="100000"/>
+                </a:srgbClr>
+              </a:solidFill>
+              <a:prstDash val="solid"/>
+              <a:round/>
+            </a:ln>
+          </p:spPr>
+          <p:txBody>
+            <a:bodyPr/>
+            <a:lstStyle/>
+            <a:p/>
+          </p:txBody>
+        </p:sp>
+        <p:sp>
+          <p:nvSpPr>
+            <p:cNvPr id="59" name="tx59"/>
+            <p:cNvSpPr/>
+            <p:nvPr/>
+          </p:nvSpPr>
+          <p:spPr>
+            <a:xfrm>
+              <a:off x="7672790" y="1670045"/>
+              <a:ext cx="335280" cy="69850"/>
             </a:xfrm>
             <a:prstGeom prst="rect">
               <a:avLst/>
@@ -4843,277 +5260,47 @@
                 </a:spcAft>
               </a:pPr>
               <a:r>
-                <a:rPr sz="880" b="1">
+                <a:rPr sz="880">
                   <a:solidFill>
-                    <a:srgbClr val="4D4D4D">
+                    <a:srgbClr val="1A1A1A">
                       <a:alpha val="100000"/>
                     </a:srgbClr>
                   </a:solidFill>
                   <a:latin typeface="Arial"/>
                   <a:cs typeface="Arial"/>
                 </a:rPr>
-                <a:t>6</a:t>
+                <a:t>企业人员</a:t>
               </a:r>
             </a:p>
           </p:txBody>
         </p:sp>
         <p:sp>
           <p:nvSpPr>
-            <p:cNvPr id="47" name="tx47"/>
-            <p:cNvSpPr/>
-            <p:nvPr/>
-          </p:nvSpPr>
-          <p:spPr>
-            <a:xfrm>
-              <a:off x="1926599" y="3821347"/>
-              <a:ext cx="62155" cy="80272"/>
-            </a:xfrm>
-            <a:prstGeom prst="rect">
-              <a:avLst/>
-            </a:prstGeom>
-            <a:noFill/>
-          </p:spPr>
-          <p:txBody>
-            <a:bodyPr lIns="0" rIns="0" tIns="0" bIns="0" anchorCtr="1" anchor="ctr" wrap="none"/>
-            <a:lstStyle/>
-            <a:p>
-              <a:pPr algn="l" marL="0" marR="0" indent="0">
-                <a:lnSpc>
-                  <a:spcPts val="880"/>
-                </a:lnSpc>
-                <a:spcBef>
-                  <a:spcPts val="0"/>
-                </a:spcBef>
-                <a:spcAft>
-                  <a:spcPts val="0"/>
-                </a:spcAft>
-              </a:pPr>
-              <a:r>
-                <a:rPr sz="880" b="1">
-                  <a:solidFill>
-                    <a:srgbClr val="4D4D4D">
-                      <a:alpha val="100000"/>
-                    </a:srgbClr>
-                  </a:solidFill>
-                  <a:latin typeface="Arial"/>
-                  <a:cs typeface="Arial"/>
-                </a:rPr>
-                <a:t>5</a:t>
-              </a:r>
-            </a:p>
-          </p:txBody>
-        </p:sp>
-        <p:sp>
-          <p:nvSpPr>
-            <p:cNvPr id="48" name="tx48"/>
-            <p:cNvSpPr/>
-            <p:nvPr/>
-          </p:nvSpPr>
-          <p:spPr>
-            <a:xfrm>
-              <a:off x="1926599" y="3327596"/>
-              <a:ext cx="62155" cy="80327"/>
-            </a:xfrm>
-            <a:prstGeom prst="rect">
-              <a:avLst/>
-            </a:prstGeom>
-            <a:noFill/>
-          </p:spPr>
-          <p:txBody>
-            <a:bodyPr lIns="0" rIns="0" tIns="0" bIns="0" anchorCtr="1" anchor="ctr" wrap="none"/>
-            <a:lstStyle/>
-            <a:p>
-              <a:pPr algn="l" marL="0" marR="0" indent="0">
-                <a:lnSpc>
-                  <a:spcPts val="880"/>
-                </a:lnSpc>
-                <a:spcBef>
-                  <a:spcPts val="0"/>
-                </a:spcBef>
-                <a:spcAft>
-                  <a:spcPts val="0"/>
-                </a:spcAft>
-              </a:pPr>
-              <a:r>
-                <a:rPr sz="880" b="1">
-                  <a:solidFill>
-                    <a:srgbClr val="4D4D4D">
-                      <a:alpha val="100000"/>
-                    </a:srgbClr>
-                  </a:solidFill>
-                  <a:latin typeface="Arial"/>
-                  <a:cs typeface="Arial"/>
-                </a:rPr>
-                <a:t>4</a:t>
-              </a:r>
-            </a:p>
-          </p:txBody>
-        </p:sp>
-        <p:sp>
-          <p:nvSpPr>
-            <p:cNvPr id="49" name="tx49"/>
-            <p:cNvSpPr/>
-            <p:nvPr/>
-          </p:nvSpPr>
-          <p:spPr>
-            <a:xfrm>
-              <a:off x="1926599" y="2832536"/>
-              <a:ext cx="62155" cy="81691"/>
-            </a:xfrm>
-            <a:prstGeom prst="rect">
-              <a:avLst/>
-            </a:prstGeom>
-            <a:noFill/>
-          </p:spPr>
-          <p:txBody>
-            <a:bodyPr lIns="0" rIns="0" tIns="0" bIns="0" anchorCtr="1" anchor="ctr" wrap="none"/>
-            <a:lstStyle/>
-            <a:p>
-              <a:pPr algn="l" marL="0" marR="0" indent="0">
-                <a:lnSpc>
-                  <a:spcPts val="880"/>
-                </a:lnSpc>
-                <a:spcBef>
-                  <a:spcPts val="0"/>
-                </a:spcBef>
-                <a:spcAft>
-                  <a:spcPts val="0"/>
-                </a:spcAft>
-              </a:pPr>
-              <a:r>
-                <a:rPr sz="880" b="1">
-                  <a:solidFill>
-                    <a:srgbClr val="4D4D4D">
-                      <a:alpha val="100000"/>
-                    </a:srgbClr>
-                  </a:solidFill>
-                  <a:latin typeface="Arial"/>
-                  <a:cs typeface="Arial"/>
-                </a:rPr>
-                <a:t>3</a:t>
-              </a:r>
-            </a:p>
-          </p:txBody>
-        </p:sp>
-        <p:sp>
-          <p:nvSpPr>
-            <p:cNvPr id="50" name="tx50"/>
-            <p:cNvSpPr/>
-            <p:nvPr/>
-          </p:nvSpPr>
-          <p:spPr>
-            <a:xfrm>
-              <a:off x="1926599" y="2340204"/>
-              <a:ext cx="62155" cy="80327"/>
-            </a:xfrm>
-            <a:prstGeom prst="rect">
-              <a:avLst/>
-            </a:prstGeom>
-            <a:noFill/>
-          </p:spPr>
-          <p:txBody>
-            <a:bodyPr lIns="0" rIns="0" tIns="0" bIns="0" anchorCtr="1" anchor="ctr" wrap="none"/>
-            <a:lstStyle/>
-            <a:p>
-              <a:pPr algn="l" marL="0" marR="0" indent="0">
-                <a:lnSpc>
-                  <a:spcPts val="880"/>
-                </a:lnSpc>
-                <a:spcBef>
-                  <a:spcPts val="0"/>
-                </a:spcBef>
-                <a:spcAft>
-                  <a:spcPts val="0"/>
-                </a:spcAft>
-              </a:pPr>
-              <a:r>
-                <a:rPr sz="880" b="1">
-                  <a:solidFill>
-                    <a:srgbClr val="4D4D4D">
-                      <a:alpha val="100000"/>
-                    </a:srgbClr>
-                  </a:solidFill>
-                  <a:latin typeface="Arial"/>
-                  <a:cs typeface="Arial"/>
-                </a:rPr>
-                <a:t>2</a:t>
-              </a:r>
-            </a:p>
-          </p:txBody>
-        </p:sp>
-        <p:sp>
-          <p:nvSpPr>
-            <p:cNvPr id="51" name="tx51"/>
-            <p:cNvSpPr/>
-            <p:nvPr/>
-          </p:nvSpPr>
-          <p:spPr>
-            <a:xfrm>
-              <a:off x="1926599" y="1846507"/>
-              <a:ext cx="62155" cy="80327"/>
-            </a:xfrm>
-            <a:prstGeom prst="rect">
-              <a:avLst/>
-            </a:prstGeom>
-            <a:noFill/>
-          </p:spPr>
-          <p:txBody>
-            <a:bodyPr lIns="0" rIns="0" tIns="0" bIns="0" anchorCtr="1" anchor="ctr" wrap="none"/>
-            <a:lstStyle/>
-            <a:p>
-              <a:pPr algn="l" marL="0" marR="0" indent="0">
-                <a:lnSpc>
-                  <a:spcPts val="880"/>
-                </a:lnSpc>
-                <a:spcBef>
-                  <a:spcPts val="0"/>
-                </a:spcBef>
-                <a:spcAft>
-                  <a:spcPts val="0"/>
-                </a:spcAft>
-              </a:pPr>
-              <a:r>
-                <a:rPr sz="880" b="1">
-                  <a:solidFill>
-                    <a:srgbClr val="4D4D4D">
-                      <a:alpha val="100000"/>
-                    </a:srgbClr>
-                  </a:solidFill>
-                  <a:latin typeface="Arial"/>
-                  <a:cs typeface="Arial"/>
-                </a:rPr>
-                <a:t>1</a:t>
-              </a:r>
-            </a:p>
-          </p:txBody>
-        </p:sp>
-        <p:sp>
-          <p:nvSpPr>
-            <p:cNvPr id="52" name="pl52"/>
-            <p:cNvSpPr/>
-            <p:nvPr/>
-          </p:nvSpPr>
-          <p:spPr>
-            <a:xfrm>
-              <a:off x="1988754" y="5342710"/>
-              <a:ext cx="34794" cy="0"/>
+            <p:cNvPr id="60" name="pl60"/>
+            <p:cNvSpPr/>
+            <p:nvPr/>
+          </p:nvSpPr>
+          <p:spPr>
+            <a:xfrm>
+              <a:off x="2531275" y="5274097"/>
+              <a:ext cx="0" cy="34794"/>
             </a:xfrm>
             <a:custGeom>
               <a:avLst/>
               <a:pathLst>
-                <a:path w="34794" h="0">
+                <a:path w="0" h="34794">
                   <a:moveTo>
+                    <a:pt x="0" y="34794"/>
+                  </a:moveTo>
+                  <a:lnTo>
                     <a:pt x="0" y="0"/>
-                  </a:moveTo>
-                  <a:lnTo>
-                    <a:pt x="34794" y="0"/>
                   </a:lnTo>
                 </a:path>
               </a:pathLst>
             </a:custGeom>
-            <a:ln w="6775" cap="flat">
+            <a:ln w="13550" cap="flat">
               <a:solidFill>
-                <a:srgbClr val="B3B3B3">
+                <a:srgbClr val="333333">
                   <a:alpha val="100000"/>
                 </a:srgbClr>
               </a:solidFill>
@@ -5129,31 +5316,31 @@
         </p:sp>
         <p:sp>
           <p:nvSpPr>
-            <p:cNvPr id="53" name="pl53"/>
-            <p:cNvSpPr/>
-            <p:nvPr/>
-          </p:nvSpPr>
-          <p:spPr>
-            <a:xfrm>
-              <a:off x="1988754" y="4849013"/>
-              <a:ext cx="34794" cy="0"/>
+            <p:cNvPr id="61" name="pl61"/>
+            <p:cNvSpPr/>
+            <p:nvPr/>
+          </p:nvSpPr>
+          <p:spPr>
+            <a:xfrm>
+              <a:off x="3053495" y="5274097"/>
+              <a:ext cx="0" cy="34794"/>
             </a:xfrm>
             <a:custGeom>
               <a:avLst/>
               <a:pathLst>
-                <a:path w="34794" h="0">
+                <a:path w="0" h="34794">
                   <a:moveTo>
+                    <a:pt x="0" y="34794"/>
+                  </a:moveTo>
+                  <a:lnTo>
                     <a:pt x="0" y="0"/>
-                  </a:moveTo>
-                  <a:lnTo>
-                    <a:pt x="34794" y="0"/>
                   </a:lnTo>
                 </a:path>
               </a:pathLst>
             </a:custGeom>
-            <a:ln w="6775" cap="flat">
+            <a:ln w="13550" cap="flat">
               <a:solidFill>
-                <a:srgbClr val="B3B3B3">
+                <a:srgbClr val="333333">
                   <a:alpha val="100000"/>
                 </a:srgbClr>
               </a:solidFill>
@@ -5169,31 +5356,31 @@
         </p:sp>
         <p:sp>
           <p:nvSpPr>
-            <p:cNvPr id="54" name="pl54"/>
-            <p:cNvSpPr/>
-            <p:nvPr/>
-          </p:nvSpPr>
-          <p:spPr>
-            <a:xfrm>
-              <a:off x="1988754" y="4355317"/>
-              <a:ext cx="34794" cy="0"/>
+            <p:cNvPr id="62" name="pl62"/>
+            <p:cNvSpPr/>
+            <p:nvPr/>
+          </p:nvSpPr>
+          <p:spPr>
+            <a:xfrm>
+              <a:off x="3575715" y="5274097"/>
+              <a:ext cx="0" cy="34794"/>
             </a:xfrm>
             <a:custGeom>
               <a:avLst/>
               <a:pathLst>
-                <a:path w="34794" h="0">
+                <a:path w="0" h="34794">
                   <a:moveTo>
+                    <a:pt x="0" y="34794"/>
+                  </a:moveTo>
+                  <a:lnTo>
                     <a:pt x="0" y="0"/>
-                  </a:moveTo>
-                  <a:lnTo>
-                    <a:pt x="34794" y="0"/>
                   </a:lnTo>
                 </a:path>
               </a:pathLst>
             </a:custGeom>
-            <a:ln w="6775" cap="flat">
+            <a:ln w="13550" cap="flat">
               <a:solidFill>
-                <a:srgbClr val="B3B3B3">
+                <a:srgbClr val="333333">
                   <a:alpha val="100000"/>
                 </a:srgbClr>
               </a:solidFill>
@@ -5209,31 +5396,31 @@
         </p:sp>
         <p:sp>
           <p:nvSpPr>
-            <p:cNvPr id="55" name="pl55"/>
-            <p:cNvSpPr/>
-            <p:nvPr/>
-          </p:nvSpPr>
-          <p:spPr>
-            <a:xfrm>
-              <a:off x="1988754" y="3861620"/>
-              <a:ext cx="34794" cy="0"/>
+            <p:cNvPr id="63" name="pl63"/>
+            <p:cNvSpPr/>
+            <p:nvPr/>
+          </p:nvSpPr>
+          <p:spPr>
+            <a:xfrm>
+              <a:off x="4097935" y="5274097"/>
+              <a:ext cx="0" cy="34794"/>
             </a:xfrm>
             <a:custGeom>
               <a:avLst/>
               <a:pathLst>
-                <a:path w="34794" h="0">
+                <a:path w="0" h="34794">
                   <a:moveTo>
+                    <a:pt x="0" y="34794"/>
+                  </a:moveTo>
+                  <a:lnTo>
                     <a:pt x="0" y="0"/>
-                  </a:moveTo>
-                  <a:lnTo>
-                    <a:pt x="34794" y="0"/>
                   </a:lnTo>
                 </a:path>
               </a:pathLst>
             </a:custGeom>
-            <a:ln w="6775" cap="flat">
+            <a:ln w="13550" cap="flat">
               <a:solidFill>
-                <a:srgbClr val="B3B3B3">
+                <a:srgbClr val="333333">
                   <a:alpha val="100000"/>
                 </a:srgbClr>
               </a:solidFill>
@@ -5249,31 +5436,31 @@
         </p:sp>
         <p:sp>
           <p:nvSpPr>
-            <p:cNvPr id="56" name="pl56"/>
-            <p:cNvSpPr/>
-            <p:nvPr/>
-          </p:nvSpPr>
-          <p:spPr>
-            <a:xfrm>
-              <a:off x="1988754" y="3367924"/>
-              <a:ext cx="34794" cy="0"/>
+            <p:cNvPr id="64" name="pl64"/>
+            <p:cNvSpPr/>
+            <p:nvPr/>
+          </p:nvSpPr>
+          <p:spPr>
+            <a:xfrm>
+              <a:off x="4794188" y="5274097"/>
+              <a:ext cx="0" cy="34794"/>
             </a:xfrm>
             <a:custGeom>
               <a:avLst/>
               <a:pathLst>
-                <a:path w="34794" h="0">
+                <a:path w="0" h="34794">
                   <a:moveTo>
+                    <a:pt x="0" y="34794"/>
+                  </a:moveTo>
+                  <a:lnTo>
                     <a:pt x="0" y="0"/>
-                  </a:moveTo>
-                  <a:lnTo>
-                    <a:pt x="34794" y="0"/>
                   </a:lnTo>
                 </a:path>
               </a:pathLst>
             </a:custGeom>
-            <a:ln w="6775" cap="flat">
+            <a:ln w="13550" cap="flat">
               <a:solidFill>
-                <a:srgbClr val="B3B3B3">
+                <a:srgbClr val="333333">
                   <a:alpha val="100000"/>
                 </a:srgbClr>
               </a:solidFill>
@@ -5289,31 +5476,31 @@
         </p:sp>
         <p:sp>
           <p:nvSpPr>
-            <p:cNvPr id="57" name="pl57"/>
-            <p:cNvSpPr/>
-            <p:nvPr/>
-          </p:nvSpPr>
-          <p:spPr>
-            <a:xfrm>
-              <a:off x="1988754" y="2874227"/>
-              <a:ext cx="34794" cy="0"/>
+            <p:cNvPr id="65" name="pl65"/>
+            <p:cNvSpPr/>
+            <p:nvPr/>
+          </p:nvSpPr>
+          <p:spPr>
+            <a:xfrm>
+              <a:off x="5316408" y="5274097"/>
+              <a:ext cx="0" cy="34794"/>
             </a:xfrm>
             <a:custGeom>
               <a:avLst/>
               <a:pathLst>
-                <a:path w="34794" h="0">
+                <a:path w="0" h="34794">
                   <a:moveTo>
+                    <a:pt x="0" y="34794"/>
+                  </a:moveTo>
+                  <a:lnTo>
                     <a:pt x="0" y="0"/>
-                  </a:moveTo>
-                  <a:lnTo>
-                    <a:pt x="34794" y="0"/>
                   </a:lnTo>
                 </a:path>
               </a:pathLst>
             </a:custGeom>
-            <a:ln w="6775" cap="flat">
+            <a:ln w="13550" cap="flat">
               <a:solidFill>
-                <a:srgbClr val="B3B3B3">
+                <a:srgbClr val="333333">
                   <a:alpha val="100000"/>
                 </a:srgbClr>
               </a:solidFill>
@@ -5329,31 +5516,31 @@
         </p:sp>
         <p:sp>
           <p:nvSpPr>
-            <p:cNvPr id="58" name="pl58"/>
-            <p:cNvSpPr/>
-            <p:nvPr/>
-          </p:nvSpPr>
-          <p:spPr>
-            <a:xfrm>
-              <a:off x="1988754" y="2380531"/>
-              <a:ext cx="34794" cy="0"/>
+            <p:cNvPr id="66" name="pl66"/>
+            <p:cNvSpPr/>
+            <p:nvPr/>
+          </p:nvSpPr>
+          <p:spPr>
+            <a:xfrm>
+              <a:off x="5838627" y="5274097"/>
+              <a:ext cx="0" cy="34794"/>
             </a:xfrm>
             <a:custGeom>
               <a:avLst/>
               <a:pathLst>
-                <a:path w="34794" h="0">
+                <a:path w="0" h="34794">
                   <a:moveTo>
+                    <a:pt x="0" y="34794"/>
+                  </a:moveTo>
+                  <a:lnTo>
                     <a:pt x="0" y="0"/>
-                  </a:moveTo>
-                  <a:lnTo>
-                    <a:pt x="34794" y="0"/>
                   </a:lnTo>
                 </a:path>
               </a:pathLst>
             </a:custGeom>
-            <a:ln w="6775" cap="flat">
+            <a:ln w="13550" cap="flat">
               <a:solidFill>
-                <a:srgbClr val="B3B3B3">
+                <a:srgbClr val="333333">
                   <a:alpha val="100000"/>
                 </a:srgbClr>
               </a:solidFill>
@@ -5369,31 +5556,31 @@
         </p:sp>
         <p:sp>
           <p:nvSpPr>
-            <p:cNvPr id="59" name="pl59"/>
-            <p:cNvSpPr/>
-            <p:nvPr/>
-          </p:nvSpPr>
-          <p:spPr>
-            <a:xfrm>
-              <a:off x="1988754" y="1886835"/>
-              <a:ext cx="34794" cy="0"/>
+            <p:cNvPr id="67" name="pl67"/>
+            <p:cNvSpPr/>
+            <p:nvPr/>
+          </p:nvSpPr>
+          <p:spPr>
+            <a:xfrm>
+              <a:off x="6360847" y="5274097"/>
+              <a:ext cx="0" cy="34794"/>
             </a:xfrm>
             <a:custGeom>
               <a:avLst/>
               <a:pathLst>
-                <a:path w="34794" h="0">
+                <a:path w="0" h="34794">
                   <a:moveTo>
+                    <a:pt x="0" y="34794"/>
+                  </a:moveTo>
+                  <a:lnTo>
                     <a:pt x="0" y="0"/>
-                  </a:moveTo>
-                  <a:lnTo>
-                    <a:pt x="34794" y="0"/>
                   </a:lnTo>
                 </a:path>
               </a:pathLst>
             </a:custGeom>
-            <a:ln w="6775" cap="flat">
+            <a:ln w="13550" cap="flat">
               <a:solidFill>
-                <a:srgbClr val="B3B3B3">
+                <a:srgbClr val="333333">
                   <a:alpha val="100000"/>
                 </a:srgbClr>
               </a:solidFill>
@@ -5409,13 +5596,13 @@
         </p:sp>
         <p:sp>
           <p:nvSpPr>
-            <p:cNvPr id="60" name="pl60"/>
-            <p:cNvSpPr/>
-            <p:nvPr/>
-          </p:nvSpPr>
-          <p:spPr>
-            <a:xfrm>
-              <a:off x="2023549" y="5638927"/>
+            <p:cNvPr id="68" name="pl68"/>
+            <p:cNvSpPr/>
+            <p:nvPr/>
+          </p:nvSpPr>
+          <p:spPr>
+            <a:xfrm>
+              <a:off x="7057100" y="5274097"/>
               <a:ext cx="0" cy="34794"/>
             </a:xfrm>
             <a:custGeom>
@@ -5431,9 +5618,9 @@
                 </a:path>
               </a:pathLst>
             </a:custGeom>
-            <a:ln w="6775" cap="flat">
+            <a:ln w="13550" cap="flat">
               <a:solidFill>
-                <a:srgbClr val="B3B3B3">
+                <a:srgbClr val="333333">
                   <a:alpha val="100000"/>
                 </a:srgbClr>
               </a:solidFill>
@@ -5449,13 +5636,13 @@
         </p:sp>
         <p:sp>
           <p:nvSpPr>
-            <p:cNvPr id="61" name="pl61"/>
-            <p:cNvSpPr/>
-            <p:nvPr/>
-          </p:nvSpPr>
-          <p:spPr>
-            <a:xfrm>
-              <a:off x="3165970" y="5638927"/>
+            <p:cNvPr id="69" name="pl69"/>
+            <p:cNvSpPr/>
+            <p:nvPr/>
+          </p:nvSpPr>
+          <p:spPr>
+            <a:xfrm>
+              <a:off x="7579320" y="5274097"/>
               <a:ext cx="0" cy="34794"/>
             </a:xfrm>
             <a:custGeom>
@@ -5471,9 +5658,9 @@
                 </a:path>
               </a:pathLst>
             </a:custGeom>
-            <a:ln w="6775" cap="flat">
+            <a:ln w="13550" cap="flat">
               <a:solidFill>
-                <a:srgbClr val="B3B3B3">
+                <a:srgbClr val="333333">
                   <a:alpha val="100000"/>
                 </a:srgbClr>
               </a:solidFill>
@@ -5489,13 +5676,13 @@
         </p:sp>
         <p:sp>
           <p:nvSpPr>
-            <p:cNvPr id="62" name="pl62"/>
-            <p:cNvSpPr/>
-            <p:nvPr/>
-          </p:nvSpPr>
-          <p:spPr>
-            <a:xfrm>
-              <a:off x="4308391" y="5638927"/>
+            <p:cNvPr id="70" name="pl70"/>
+            <p:cNvSpPr/>
+            <p:nvPr/>
+          </p:nvSpPr>
+          <p:spPr>
+            <a:xfrm>
+              <a:off x="8101540" y="5274097"/>
               <a:ext cx="0" cy="34794"/>
             </a:xfrm>
             <a:custGeom>
@@ -5511,9 +5698,9 @@
                 </a:path>
               </a:pathLst>
             </a:custGeom>
-            <a:ln w="6775" cap="flat">
+            <a:ln w="13550" cap="flat">
               <a:solidFill>
-                <a:srgbClr val="B3B3B3">
+                <a:srgbClr val="333333">
                   <a:alpha val="100000"/>
                 </a:srgbClr>
               </a:solidFill>
@@ -5529,13 +5716,13 @@
         </p:sp>
         <p:sp>
           <p:nvSpPr>
-            <p:cNvPr id="63" name="pl63"/>
-            <p:cNvSpPr/>
-            <p:nvPr/>
-          </p:nvSpPr>
-          <p:spPr>
-            <a:xfrm>
-              <a:off x="5450812" y="5638927"/>
+            <p:cNvPr id="71" name="pl71"/>
+            <p:cNvSpPr/>
+            <p:nvPr/>
+          </p:nvSpPr>
+          <p:spPr>
+            <a:xfrm>
+              <a:off x="8623760" y="5274097"/>
               <a:ext cx="0" cy="34794"/>
             </a:xfrm>
             <a:custGeom>
@@ -5551,9 +5738,9 @@
                 </a:path>
               </a:pathLst>
             </a:custGeom>
-            <a:ln w="6775" cap="flat">
+            <a:ln w="13550" cap="flat">
               <a:solidFill>
-                <a:srgbClr val="B3B3B3">
+                <a:srgbClr val="333333">
                   <a:alpha val="100000"/>
                 </a:srgbClr>
               </a:solidFill>
@@ -5569,134 +5756,14 @@
         </p:sp>
         <p:sp>
           <p:nvSpPr>
-            <p:cNvPr id="64" name="pl64"/>
-            <p:cNvSpPr/>
-            <p:nvPr/>
-          </p:nvSpPr>
-          <p:spPr>
-            <a:xfrm>
-              <a:off x="6593233" y="5638927"/>
-              <a:ext cx="0" cy="34794"/>
-            </a:xfrm>
-            <a:custGeom>
-              <a:avLst/>
-              <a:pathLst>
-                <a:path w="0" h="34794">
-                  <a:moveTo>
-                    <a:pt x="0" y="34794"/>
-                  </a:moveTo>
-                  <a:lnTo>
-                    <a:pt x="0" y="0"/>
-                  </a:lnTo>
-                </a:path>
-              </a:pathLst>
-            </a:custGeom>
-            <a:ln w="6775" cap="flat">
-              <a:solidFill>
-                <a:srgbClr val="B3B3B3">
-                  <a:alpha val="100000"/>
-                </a:srgbClr>
-              </a:solidFill>
-              <a:prstDash val="solid"/>
-              <a:round/>
-            </a:ln>
-          </p:spPr>
-          <p:txBody>
-            <a:bodyPr/>
-            <a:lstStyle/>
-            <a:p/>
-          </p:txBody>
-        </p:sp>
-        <p:sp>
-          <p:nvSpPr>
-            <p:cNvPr id="65" name="pl65"/>
-            <p:cNvSpPr/>
-            <p:nvPr/>
-          </p:nvSpPr>
-          <p:spPr>
-            <a:xfrm>
-              <a:off x="7735654" y="5638927"/>
-              <a:ext cx="0" cy="34794"/>
-            </a:xfrm>
-            <a:custGeom>
-              <a:avLst/>
-              <a:pathLst>
-                <a:path w="0" h="34794">
-                  <a:moveTo>
-                    <a:pt x="0" y="34794"/>
-                  </a:moveTo>
-                  <a:lnTo>
-                    <a:pt x="0" y="0"/>
-                  </a:lnTo>
-                </a:path>
-              </a:pathLst>
-            </a:custGeom>
-            <a:ln w="6775" cap="flat">
-              <a:solidFill>
-                <a:srgbClr val="B3B3B3">
-                  <a:alpha val="100000"/>
-                </a:srgbClr>
-              </a:solidFill>
-              <a:prstDash val="solid"/>
-              <a:round/>
-            </a:ln>
-          </p:spPr>
-          <p:txBody>
-            <a:bodyPr/>
-            <a:lstStyle/>
-            <a:p/>
-          </p:txBody>
-        </p:sp>
-        <p:sp>
-          <p:nvSpPr>
-            <p:cNvPr id="66" name="pl66"/>
-            <p:cNvSpPr/>
-            <p:nvPr/>
-          </p:nvSpPr>
-          <p:spPr>
-            <a:xfrm>
-              <a:off x="8878074" y="5638927"/>
-              <a:ext cx="0" cy="34794"/>
-            </a:xfrm>
-            <a:custGeom>
-              <a:avLst/>
-              <a:pathLst>
-                <a:path w="0" h="34794">
-                  <a:moveTo>
-                    <a:pt x="0" y="34794"/>
-                  </a:moveTo>
-                  <a:lnTo>
-                    <a:pt x="0" y="0"/>
-                  </a:lnTo>
-                </a:path>
-              </a:pathLst>
-            </a:custGeom>
-            <a:ln w="6775" cap="flat">
-              <a:solidFill>
-                <a:srgbClr val="B3B3B3">
-                  <a:alpha val="100000"/>
-                </a:srgbClr>
-              </a:solidFill>
-              <a:prstDash val="solid"/>
-              <a:round/>
-            </a:ln>
-          </p:spPr>
-          <p:txBody>
-            <a:bodyPr/>
-            <a:lstStyle/>
-            <a:p/>
-          </p:txBody>
-        </p:sp>
-        <p:sp>
-          <p:nvSpPr>
-            <p:cNvPr id="67" name="tx67"/>
-            <p:cNvSpPr/>
-            <p:nvPr/>
-          </p:nvSpPr>
-          <p:spPr>
-            <a:xfrm>
-              <a:off x="1992471" y="5699866"/>
-              <a:ext cx="62155" cy="81691"/>
+            <p:cNvPr id="72" name="tx72"/>
+            <p:cNvSpPr/>
+            <p:nvPr/>
+          </p:nvSpPr>
+          <p:spPr>
+            <a:xfrm>
+              <a:off x="1993785" y="5072289"/>
+              <a:ext cx="161528" cy="84311"/>
             </a:xfrm>
             <a:prstGeom prst="rect">
               <a:avLst/>
@@ -5728,21 +5795,21 @@
                   <a:latin typeface="Arial"/>
                   <a:cs typeface="Arial"/>
                 </a:rPr>
-                <a:t>0</a:t>
+                <a:t>0%</a:t>
               </a:r>
             </a:p>
           </p:txBody>
         </p:sp>
         <p:sp>
           <p:nvSpPr>
-            <p:cNvPr id="68" name="tx68"/>
-            <p:cNvSpPr/>
-            <p:nvPr/>
-          </p:nvSpPr>
-          <p:spPr>
-            <a:xfrm>
-              <a:off x="3041659" y="5699866"/>
-              <a:ext cx="248622" cy="81691"/>
+            <p:cNvPr id="73" name="tx73"/>
+            <p:cNvSpPr/>
+            <p:nvPr/>
+          </p:nvSpPr>
+          <p:spPr>
+            <a:xfrm>
+              <a:off x="1931629" y="4004052"/>
+              <a:ext cx="223683" cy="84311"/>
             </a:xfrm>
             <a:prstGeom prst="rect">
               <a:avLst/>
@@ -5774,21 +5841,21 @@
                   <a:latin typeface="Arial"/>
                   <a:cs typeface="Arial"/>
                 </a:rPr>
-                <a:t>1000</a:t>
+                <a:t>20%</a:t>
               </a:r>
             </a:p>
           </p:txBody>
         </p:sp>
         <p:sp>
           <p:nvSpPr>
-            <p:cNvPr id="69" name="tx69"/>
-            <p:cNvSpPr/>
-            <p:nvPr/>
-          </p:nvSpPr>
-          <p:spPr>
-            <a:xfrm>
-              <a:off x="4184080" y="5699866"/>
-              <a:ext cx="248622" cy="81691"/>
+            <p:cNvPr id="74" name="tx74"/>
+            <p:cNvSpPr/>
+            <p:nvPr/>
+          </p:nvSpPr>
+          <p:spPr>
+            <a:xfrm>
+              <a:off x="1931629" y="2935814"/>
+              <a:ext cx="223683" cy="84311"/>
             </a:xfrm>
             <a:prstGeom prst="rect">
               <a:avLst/>
@@ -5820,21 +5887,21 @@
                   <a:latin typeface="Arial"/>
                   <a:cs typeface="Arial"/>
                 </a:rPr>
-                <a:t>2000</a:t>
+                <a:t>40%</a:t>
               </a:r>
             </a:p>
           </p:txBody>
         </p:sp>
         <p:sp>
           <p:nvSpPr>
-            <p:cNvPr id="70" name="tx70"/>
-            <p:cNvSpPr/>
-            <p:nvPr/>
-          </p:nvSpPr>
-          <p:spPr>
-            <a:xfrm>
-              <a:off x="5326500" y="5699811"/>
-              <a:ext cx="248622" cy="81746"/>
+            <p:cNvPr id="75" name="tx75"/>
+            <p:cNvSpPr/>
+            <p:nvPr/>
+          </p:nvSpPr>
+          <p:spPr>
+            <a:xfrm>
+              <a:off x="1931629" y="1867577"/>
+              <a:ext cx="223683" cy="84311"/>
             </a:xfrm>
             <a:prstGeom prst="rect">
               <a:avLst/>
@@ -5866,21 +5933,415 @@
                   <a:latin typeface="Arial"/>
                   <a:cs typeface="Arial"/>
                 </a:rPr>
-                <a:t>3000</a:t>
+                <a:t>60%</a:t>
               </a:r>
             </a:p>
           </p:txBody>
         </p:sp>
         <p:sp>
           <p:nvSpPr>
-            <p:cNvPr id="71" name="tx71"/>
-            <p:cNvSpPr/>
-            <p:nvPr/>
-          </p:nvSpPr>
-          <p:spPr>
-            <a:xfrm>
-              <a:off x="6468921" y="5699866"/>
-              <a:ext cx="248622" cy="81691"/>
+            <p:cNvPr id="76" name="pl76"/>
+            <p:cNvSpPr/>
+            <p:nvPr/>
+          </p:nvSpPr>
+          <p:spPr>
+            <a:xfrm>
+              <a:off x="2183149" y="5116600"/>
+              <a:ext cx="34794" cy="0"/>
+            </a:xfrm>
+            <a:custGeom>
+              <a:avLst/>
+              <a:pathLst>
+                <a:path w="34794" h="0">
+                  <a:moveTo>
+                    <a:pt x="0" y="0"/>
+                  </a:moveTo>
+                  <a:lnTo>
+                    <a:pt x="34794" y="0"/>
+                  </a:lnTo>
+                </a:path>
+              </a:pathLst>
+            </a:custGeom>
+            <a:ln w="13550" cap="flat">
+              <a:solidFill>
+                <a:srgbClr val="333333">
+                  <a:alpha val="100000"/>
+                </a:srgbClr>
+              </a:solidFill>
+              <a:prstDash val="solid"/>
+              <a:round/>
+            </a:ln>
+          </p:spPr>
+          <p:txBody>
+            <a:bodyPr/>
+            <a:lstStyle/>
+            <a:p/>
+          </p:txBody>
+        </p:sp>
+        <p:sp>
+          <p:nvSpPr>
+            <p:cNvPr id="77" name="pl77"/>
+            <p:cNvSpPr/>
+            <p:nvPr/>
+          </p:nvSpPr>
+          <p:spPr>
+            <a:xfrm>
+              <a:off x="2183149" y="4048363"/>
+              <a:ext cx="34794" cy="0"/>
+            </a:xfrm>
+            <a:custGeom>
+              <a:avLst/>
+              <a:pathLst>
+                <a:path w="34794" h="0">
+                  <a:moveTo>
+                    <a:pt x="0" y="0"/>
+                  </a:moveTo>
+                  <a:lnTo>
+                    <a:pt x="34794" y="0"/>
+                  </a:lnTo>
+                </a:path>
+              </a:pathLst>
+            </a:custGeom>
+            <a:ln w="13550" cap="flat">
+              <a:solidFill>
+                <a:srgbClr val="333333">
+                  <a:alpha val="100000"/>
+                </a:srgbClr>
+              </a:solidFill>
+              <a:prstDash val="solid"/>
+              <a:round/>
+            </a:ln>
+          </p:spPr>
+          <p:txBody>
+            <a:bodyPr/>
+            <a:lstStyle/>
+            <a:p/>
+          </p:txBody>
+        </p:sp>
+        <p:sp>
+          <p:nvSpPr>
+            <p:cNvPr id="78" name="pl78"/>
+            <p:cNvSpPr/>
+            <p:nvPr/>
+          </p:nvSpPr>
+          <p:spPr>
+            <a:xfrm>
+              <a:off x="2183149" y="2980125"/>
+              <a:ext cx="34794" cy="0"/>
+            </a:xfrm>
+            <a:custGeom>
+              <a:avLst/>
+              <a:pathLst>
+                <a:path w="34794" h="0">
+                  <a:moveTo>
+                    <a:pt x="0" y="0"/>
+                  </a:moveTo>
+                  <a:lnTo>
+                    <a:pt x="34794" y="0"/>
+                  </a:lnTo>
+                </a:path>
+              </a:pathLst>
+            </a:custGeom>
+            <a:ln w="13550" cap="flat">
+              <a:solidFill>
+                <a:srgbClr val="333333">
+                  <a:alpha val="100000"/>
+                </a:srgbClr>
+              </a:solidFill>
+              <a:prstDash val="solid"/>
+              <a:round/>
+            </a:ln>
+          </p:spPr>
+          <p:txBody>
+            <a:bodyPr/>
+            <a:lstStyle/>
+            <a:p/>
+          </p:txBody>
+        </p:sp>
+        <p:sp>
+          <p:nvSpPr>
+            <p:cNvPr id="79" name="pl79"/>
+            <p:cNvSpPr/>
+            <p:nvPr/>
+          </p:nvSpPr>
+          <p:spPr>
+            <a:xfrm>
+              <a:off x="2183149" y="1911888"/>
+              <a:ext cx="34794" cy="0"/>
+            </a:xfrm>
+            <a:custGeom>
+              <a:avLst/>
+              <a:pathLst>
+                <a:path w="34794" h="0">
+                  <a:moveTo>
+                    <a:pt x="0" y="0"/>
+                  </a:moveTo>
+                  <a:lnTo>
+                    <a:pt x="34794" y="0"/>
+                  </a:lnTo>
+                </a:path>
+              </a:pathLst>
+            </a:custGeom>
+            <a:ln w="13550" cap="flat">
+              <a:solidFill>
+                <a:srgbClr val="333333">
+                  <a:alpha val="100000"/>
+                </a:srgbClr>
+              </a:solidFill>
+              <a:prstDash val="solid"/>
+              <a:round/>
+            </a:ln>
+          </p:spPr>
+          <p:txBody>
+            <a:bodyPr/>
+            <a:lstStyle/>
+            <a:p/>
+          </p:txBody>
+        </p:sp>
+        <p:sp>
+          <p:nvSpPr>
+            <p:cNvPr id="80" name="rc80"/>
+            <p:cNvSpPr/>
+            <p:nvPr/>
+          </p:nvSpPr>
+          <p:spPr>
+            <a:xfrm>
+              <a:off x="4028051" y="5613598"/>
+              <a:ext cx="3098933" cy="358634"/>
+            </a:xfrm>
+            <a:prstGeom prst="rect">
+              <a:avLst/>
+            </a:prstGeom>
+            <a:solidFill>
+              <a:srgbClr val="FFFFFF">
+                <a:alpha val="100000"/>
+              </a:srgbClr>
+            </a:solidFill>
+          </p:spPr>
+          <p:txBody>
+            <a:bodyPr/>
+            <a:lstStyle/>
+            <a:p/>
+          </p:txBody>
+        </p:sp>
+        <p:sp>
+          <p:nvSpPr>
+            <p:cNvPr id="81" name="rc81"/>
+            <p:cNvSpPr/>
+            <p:nvPr/>
+          </p:nvSpPr>
+          <p:spPr>
+            <a:xfrm>
+              <a:off x="4167229" y="5683187"/>
+              <a:ext cx="219456" cy="219455"/>
+            </a:xfrm>
+            <a:prstGeom prst="rect">
+              <a:avLst/>
+            </a:prstGeom>
+            <a:solidFill>
+              <a:srgbClr val="FFFFFF">
+                <a:alpha val="100000"/>
+              </a:srgbClr>
+            </a:solidFill>
+          </p:spPr>
+          <p:txBody>
+            <a:bodyPr/>
+            <a:lstStyle/>
+            <a:p/>
+          </p:txBody>
+        </p:sp>
+        <p:sp>
+          <p:nvSpPr>
+            <p:cNvPr id="82" name="rc82"/>
+            <p:cNvSpPr/>
+            <p:nvPr/>
+          </p:nvSpPr>
+          <p:spPr>
+            <a:xfrm>
+              <a:off x="4176229" y="5692187"/>
+              <a:ext cx="201456" cy="201456"/>
+            </a:xfrm>
+            <a:prstGeom prst="rect">
+              <a:avLst/>
+            </a:prstGeom>
+            <a:solidFill>
+              <a:srgbClr val="FEE5D9">
+                <a:alpha val="100000"/>
+              </a:srgbClr>
+            </a:solidFill>
+          </p:spPr>
+          <p:txBody>
+            <a:bodyPr/>
+            <a:lstStyle/>
+            <a:p/>
+          </p:txBody>
+        </p:sp>
+        <p:sp>
+          <p:nvSpPr>
+            <p:cNvPr id="83" name="rc83"/>
+            <p:cNvSpPr/>
+            <p:nvPr/>
+          </p:nvSpPr>
+          <p:spPr>
+            <a:xfrm>
+              <a:off x="5002494" y="5683187"/>
+              <a:ext cx="219455" cy="219455"/>
+            </a:xfrm>
+            <a:prstGeom prst="rect">
+              <a:avLst/>
+            </a:prstGeom>
+            <a:solidFill>
+              <a:srgbClr val="FFFFFF">
+                <a:alpha val="100000"/>
+              </a:srgbClr>
+            </a:solidFill>
+          </p:spPr>
+          <p:txBody>
+            <a:bodyPr/>
+            <a:lstStyle/>
+            <a:p/>
+          </p:txBody>
+        </p:sp>
+        <p:sp>
+          <p:nvSpPr>
+            <p:cNvPr id="84" name="rc84"/>
+            <p:cNvSpPr/>
+            <p:nvPr/>
+          </p:nvSpPr>
+          <p:spPr>
+            <a:xfrm>
+              <a:off x="5011494" y="5692187"/>
+              <a:ext cx="201456" cy="201456"/>
+            </a:xfrm>
+            <a:prstGeom prst="rect">
+              <a:avLst/>
+            </a:prstGeom>
+            <a:solidFill>
+              <a:srgbClr val="FCAE91">
+                <a:alpha val="100000"/>
+              </a:srgbClr>
+            </a:solidFill>
+          </p:spPr>
+          <p:txBody>
+            <a:bodyPr/>
+            <a:lstStyle/>
+            <a:p/>
+          </p:txBody>
+        </p:sp>
+        <p:sp>
+          <p:nvSpPr>
+            <p:cNvPr id="85" name="rc85"/>
+            <p:cNvSpPr/>
+            <p:nvPr/>
+          </p:nvSpPr>
+          <p:spPr>
+            <a:xfrm>
+              <a:off x="5647107" y="5683187"/>
+              <a:ext cx="219455" cy="219455"/>
+            </a:xfrm>
+            <a:prstGeom prst="rect">
+              <a:avLst/>
+            </a:prstGeom>
+            <a:solidFill>
+              <a:srgbClr val="FFFFFF">
+                <a:alpha val="100000"/>
+              </a:srgbClr>
+            </a:solidFill>
+          </p:spPr>
+          <p:txBody>
+            <a:bodyPr/>
+            <a:lstStyle/>
+            <a:p/>
+          </p:txBody>
+        </p:sp>
+        <p:sp>
+          <p:nvSpPr>
+            <p:cNvPr id="86" name="rc86"/>
+            <p:cNvSpPr/>
+            <p:nvPr/>
+          </p:nvSpPr>
+          <p:spPr>
+            <a:xfrm>
+              <a:off x="5656107" y="5692187"/>
+              <a:ext cx="201456" cy="201456"/>
+            </a:xfrm>
+            <a:prstGeom prst="rect">
+              <a:avLst/>
+            </a:prstGeom>
+            <a:solidFill>
+              <a:srgbClr val="FB6A4A">
+                <a:alpha val="100000"/>
+              </a:srgbClr>
+            </a:solidFill>
+          </p:spPr>
+          <p:txBody>
+            <a:bodyPr/>
+            <a:lstStyle/>
+            <a:p/>
+          </p:txBody>
+        </p:sp>
+        <p:sp>
+          <p:nvSpPr>
+            <p:cNvPr id="87" name="rc87"/>
+            <p:cNvSpPr/>
+            <p:nvPr/>
+          </p:nvSpPr>
+          <p:spPr>
+            <a:xfrm>
+              <a:off x="6387045" y="5683187"/>
+              <a:ext cx="219455" cy="219455"/>
+            </a:xfrm>
+            <a:prstGeom prst="rect">
+              <a:avLst/>
+            </a:prstGeom>
+            <a:solidFill>
+              <a:srgbClr val="FFFFFF">
+                <a:alpha val="100000"/>
+              </a:srgbClr>
+            </a:solidFill>
+          </p:spPr>
+          <p:txBody>
+            <a:bodyPr/>
+            <a:lstStyle/>
+            <a:p/>
+          </p:txBody>
+        </p:sp>
+        <p:sp>
+          <p:nvSpPr>
+            <p:cNvPr id="88" name="rc88"/>
+            <p:cNvSpPr/>
+            <p:nvPr/>
+          </p:nvSpPr>
+          <p:spPr>
+            <a:xfrm>
+              <a:off x="6396045" y="5692187"/>
+              <a:ext cx="201456" cy="201456"/>
+            </a:xfrm>
+            <a:prstGeom prst="rect">
+              <a:avLst/>
+            </a:prstGeom>
+            <a:solidFill>
+              <a:srgbClr val="CB181D">
+                <a:alpha val="100000"/>
+              </a:srgbClr>
+            </a:solidFill>
+          </p:spPr>
+          <p:txBody>
+            <a:bodyPr/>
+            <a:lstStyle/>
+            <a:p/>
+          </p:txBody>
+        </p:sp>
+        <p:sp>
+          <p:nvSpPr>
+            <p:cNvPr id="89" name="tx89"/>
+            <p:cNvSpPr/>
+            <p:nvPr/>
+          </p:nvSpPr>
+          <p:spPr>
+            <a:xfrm>
+              <a:off x="4456274" y="5763065"/>
+              <a:ext cx="419100" cy="69850"/>
             </a:xfrm>
             <a:prstGeom prst="rect">
               <a:avLst/>
@@ -5905,28 +6366,28 @@
               <a:r>
                 <a:rPr sz="880">
                   <a:solidFill>
-                    <a:srgbClr val="4D4D4D">
+                    <a:srgbClr val="000000">
                       <a:alpha val="100000"/>
                     </a:srgbClr>
                   </a:solidFill>
                   <a:latin typeface="Arial"/>
                   <a:cs typeface="Arial"/>
                 </a:rPr>
-                <a:t>4000</a:t>
+                <a:t>完全不认同</a:t>
               </a:r>
             </a:p>
           </p:txBody>
         </p:sp>
         <p:sp>
           <p:nvSpPr>
-            <p:cNvPr id="72" name="tx72"/>
-            <p:cNvSpPr/>
-            <p:nvPr/>
-          </p:nvSpPr>
-          <p:spPr>
-            <a:xfrm>
-              <a:off x="7611342" y="5699866"/>
-              <a:ext cx="248622" cy="81691"/>
+            <p:cNvPr id="90" name="tx90"/>
+            <p:cNvSpPr/>
+            <p:nvPr/>
+          </p:nvSpPr>
+          <p:spPr>
+            <a:xfrm>
+              <a:off x="5291539" y="5763065"/>
+              <a:ext cx="251460" cy="69850"/>
             </a:xfrm>
             <a:prstGeom prst="rect">
               <a:avLst/>
@@ -5951,28 +6412,28 @@
               <a:r>
                 <a:rPr sz="880">
                   <a:solidFill>
-                    <a:srgbClr val="4D4D4D">
+                    <a:srgbClr val="000000">
                       <a:alpha val="100000"/>
                     </a:srgbClr>
                   </a:solidFill>
                   <a:latin typeface="Arial"/>
                   <a:cs typeface="Arial"/>
                 </a:rPr>
-                <a:t>5000</a:t>
+                <a:t>不认同</a:t>
               </a:r>
             </a:p>
           </p:txBody>
         </p:sp>
         <p:sp>
           <p:nvSpPr>
-            <p:cNvPr id="73" name="tx73"/>
-            <p:cNvSpPr/>
-            <p:nvPr/>
-          </p:nvSpPr>
-          <p:spPr>
-            <a:xfrm>
-              <a:off x="8753763" y="5699866"/>
-              <a:ext cx="248622" cy="81691"/>
+            <p:cNvPr id="91" name="tx91"/>
+            <p:cNvSpPr/>
+            <p:nvPr/>
+          </p:nvSpPr>
+          <p:spPr>
+            <a:xfrm>
+              <a:off x="5936152" y="5763065"/>
+              <a:ext cx="335280" cy="69850"/>
             </a:xfrm>
             <a:prstGeom prst="rect">
               <a:avLst/>
@@ -5997,14 +6458,60 @@
               <a:r>
                 <a:rPr sz="880">
                   <a:solidFill>
-                    <a:srgbClr val="4D4D4D">
+                    <a:srgbClr val="000000">
                       <a:alpha val="100000"/>
                     </a:srgbClr>
                   </a:solidFill>
                   <a:latin typeface="Arial"/>
                   <a:cs typeface="Arial"/>
                 </a:rPr>
-                <a:t>6000</a:t>
+                <a:t>有限认同</a:t>
+              </a:r>
+            </a:p>
+          </p:txBody>
+        </p:sp>
+        <p:sp>
+          <p:nvSpPr>
+            <p:cNvPr id="92" name="tx92"/>
+            <p:cNvSpPr/>
+            <p:nvPr/>
+          </p:nvSpPr>
+          <p:spPr>
+            <a:xfrm>
+              <a:off x="6676090" y="5763065"/>
+              <a:ext cx="335280" cy="69850"/>
+            </a:xfrm>
+            <a:prstGeom prst="rect">
+              <a:avLst/>
+            </a:prstGeom>
+            <a:noFill/>
+          </p:spPr>
+          <p:txBody>
+            <a:bodyPr lIns="0" rIns="0" tIns="0" bIns="0" anchorCtr="1" anchor="ctr" wrap="none"/>
+            <a:lstStyle/>
+            <a:p>
+              <a:pPr algn="l" marL="0" marR="0" indent="0">
+                <a:lnSpc>
+                  <a:spcPts val="880"/>
+                </a:lnSpc>
+                <a:spcBef>
+                  <a:spcPts val="0"/>
+                </a:spcBef>
+                <a:spcAft>
+                  <a:spcPts val="0"/>
+                </a:spcAft>
+              </a:pPr>
+              <a:r>
+                <a:rPr sz="880">
+                  <a:solidFill>
+                    <a:srgbClr val="000000">
+                      <a:alpha val="100000"/>
+                    </a:srgbClr>
+                  </a:solidFill>
+                  <a:latin typeface="Arial"/>
+                  <a:cs typeface="Arial"/>
+                </a:rPr>
+                <a:t>完全认同</a:t>
               </a:r>
             </a:p>
           </p:txBody>
